--- a/docs/draft_pnas/jan figures/figure 2.pptx
+++ b/docs/draft_pnas/jan figures/figure 2.pptx
@@ -193,7 +193,7 @@
             <a:fld id="{99A1547A-3FF5-504E-BEF0-D1EA7EDC7D60}" type="datetimeFigureOut">
               <a:rPr lang="en-US" smtClean="0"/>
               <a:pPr/>
-              <a:t>6/3/14</a:t>
+              <a:t>6/4/14</a:t>
             </a:fld>
             <a:endParaRPr lang="en-US"/>
           </a:p>
@@ -728,7 +728,7 @@
             <a:fld id="{33287EDE-16F6-484B-A33C-1CF8F64AC343}" type="datetimeFigureOut">
               <a:rPr lang="en-US" smtClean="0"/>
               <a:pPr/>
-              <a:t>6/3/14</a:t>
+              <a:t>6/4/14</a:t>
             </a:fld>
             <a:endParaRPr lang="en-US"/>
           </a:p>
@@ -895,7 +895,7 @@
             <a:fld id="{33287EDE-16F6-484B-A33C-1CF8F64AC343}" type="datetimeFigureOut">
               <a:rPr lang="en-US" smtClean="0"/>
               <a:pPr/>
-              <a:t>6/3/14</a:t>
+              <a:t>6/4/14</a:t>
             </a:fld>
             <a:endParaRPr lang="en-US"/>
           </a:p>
@@ -1072,7 +1072,7 @@
             <a:fld id="{33287EDE-16F6-484B-A33C-1CF8F64AC343}" type="datetimeFigureOut">
               <a:rPr lang="en-US" smtClean="0"/>
               <a:pPr/>
-              <a:t>6/3/14</a:t>
+              <a:t>6/4/14</a:t>
             </a:fld>
             <a:endParaRPr lang="en-US"/>
           </a:p>
@@ -1239,7 +1239,7 @@
             <a:fld id="{33287EDE-16F6-484B-A33C-1CF8F64AC343}" type="datetimeFigureOut">
               <a:rPr lang="en-US" smtClean="0"/>
               <a:pPr/>
-              <a:t>6/3/14</a:t>
+              <a:t>6/4/14</a:t>
             </a:fld>
             <a:endParaRPr lang="en-US"/>
           </a:p>
@@ -1482,7 +1482,7 @@
             <a:fld id="{33287EDE-16F6-484B-A33C-1CF8F64AC343}" type="datetimeFigureOut">
               <a:rPr lang="en-US" smtClean="0"/>
               <a:pPr/>
-              <a:t>6/3/14</a:t>
+              <a:t>6/4/14</a:t>
             </a:fld>
             <a:endParaRPr lang="en-US"/>
           </a:p>
@@ -1767,7 +1767,7 @@
             <a:fld id="{33287EDE-16F6-484B-A33C-1CF8F64AC343}" type="datetimeFigureOut">
               <a:rPr lang="en-US" smtClean="0"/>
               <a:pPr/>
-              <a:t>6/3/14</a:t>
+              <a:t>6/4/14</a:t>
             </a:fld>
             <a:endParaRPr lang="en-US"/>
           </a:p>
@@ -2191,7 +2191,7 @@
             <a:fld id="{33287EDE-16F6-484B-A33C-1CF8F64AC343}" type="datetimeFigureOut">
               <a:rPr lang="en-US" smtClean="0"/>
               <a:pPr/>
-              <a:t>6/3/14</a:t>
+              <a:t>6/4/14</a:t>
             </a:fld>
             <a:endParaRPr lang="en-US"/>
           </a:p>
@@ -2306,7 +2306,7 @@
             <a:fld id="{33287EDE-16F6-484B-A33C-1CF8F64AC343}" type="datetimeFigureOut">
               <a:rPr lang="en-US" smtClean="0"/>
               <a:pPr/>
-              <a:t>6/3/14</a:t>
+              <a:t>6/4/14</a:t>
             </a:fld>
             <a:endParaRPr lang="en-US"/>
           </a:p>
@@ -2398,7 +2398,7 @@
             <a:fld id="{33287EDE-16F6-484B-A33C-1CF8F64AC343}" type="datetimeFigureOut">
               <a:rPr lang="en-US" smtClean="0"/>
               <a:pPr/>
-              <a:t>6/3/14</a:t>
+              <a:t>6/4/14</a:t>
             </a:fld>
             <a:endParaRPr lang="en-US"/>
           </a:p>
@@ -2672,7 +2672,7 @@
             <a:fld id="{33287EDE-16F6-484B-A33C-1CF8F64AC343}" type="datetimeFigureOut">
               <a:rPr lang="en-US" smtClean="0"/>
               <a:pPr/>
-              <a:t>6/3/14</a:t>
+              <a:t>6/4/14</a:t>
             </a:fld>
             <a:endParaRPr lang="en-US"/>
           </a:p>
@@ -2922,7 +2922,7 @@
             <a:fld id="{33287EDE-16F6-484B-A33C-1CF8F64AC343}" type="datetimeFigureOut">
               <a:rPr lang="en-US" smtClean="0"/>
               <a:pPr/>
-              <a:t>6/3/14</a:t>
+              <a:t>6/4/14</a:t>
             </a:fld>
             <a:endParaRPr lang="en-US"/>
           </a:p>
@@ -3132,7 +3132,7 @@
             <a:fld id="{33287EDE-16F6-484B-A33C-1CF8F64AC343}" type="datetimeFigureOut">
               <a:rPr lang="en-US" smtClean="0"/>
               <a:pPr/>
-              <a:t>6/3/14</a:t>
+              <a:t>6/4/14</a:t>
             </a:fld>
             <a:endParaRPr lang="en-US"/>
           </a:p>
@@ -3503,2204 +3503,2649 @@
           <a:chExt cx="0" cy="0"/>
         </a:xfrm>
       </p:grpSpPr>
-      <p:pic>
-        <p:nvPicPr>
-          <p:cNvPr id="15" name="Picture 14" descr="figure_2Abis.pdf"/>
-          <p:cNvPicPr>
-            <a:picLocks noChangeAspect="1"/>
-          </p:cNvPicPr>
+      <p:grpSp>
+        <p:nvGrpSpPr>
+          <p:cNvPr id="116" name="Group 115"/>
+          <p:cNvGrpSpPr/>
           <p:nvPr/>
-        </p:nvPicPr>
-        <mc:AlternateContent xmlns:ma="http://schemas.microsoft.com/office/mac/drawingml/2008/main">
-          <mc:Choice Requires="ma">
-            <p:blipFill>
-              <a:blip r:embed="rId3"/>
-              <a:stretch>
-                <a:fillRect/>
-              </a:stretch>
-            </p:blipFill>
-          </mc:Choice>
-          <mc:Fallback xmlns:p="http://schemas.openxmlformats.org/presentationml/2006/main" xmlns:mv="urn:schemas-microsoft-com:mac:vml" xmlns:mc="http://schemas.openxmlformats.org/markup-compatibility/2006" xmlns:r="http://schemas.openxmlformats.org/officeDocument/2006/relationships" xmlns:a="http://schemas.openxmlformats.org/drawingml/2006/main" xmlns="">
-            <p:blipFill>
-              <a:blip r:embed="rId4"/>
-              <a:stretch>
-                <a:fillRect/>
-              </a:stretch>
-            </p:blipFill>
-          </mc:Fallback>
-        </mc:AlternateContent>
-        <p:spPr>
+        </p:nvGrpSpPr>
+        <p:grpSpPr>
           <a:xfrm>
-            <a:off x="1947160" y="930028"/>
-            <a:ext cx="3786155" cy="1990145"/>
+            <a:off x="2212244" y="363409"/>
+            <a:ext cx="2819400" cy="431499"/>
+            <a:chOff x="2209800" y="656179"/>
+            <a:chExt cx="2819400" cy="431499"/>
           </a:xfrm>
-          <a:prstGeom prst="rect">
-            <a:avLst/>
-          </a:prstGeom>
-        </p:spPr>
-      </p:pic>
-      <p:pic>
-        <p:nvPicPr>
-          <p:cNvPr id="16" name="Picture 15" descr="figure_2Bbis.pdf"/>
-          <p:cNvPicPr>
-            <a:picLocks noChangeAspect="1"/>
-          </p:cNvPicPr>
-          <p:nvPr/>
-        </p:nvPicPr>
-        <mc:AlternateContent xmlns:ma="http://schemas.microsoft.com/office/mac/drawingml/2008/main">
-          <mc:Choice Requires="ma">
-            <p:blipFill>
-              <a:blip r:embed="rId5"/>
-              <a:stretch>
-                <a:fillRect/>
-              </a:stretch>
-            </p:blipFill>
-          </mc:Choice>
-          <mc:Fallback xmlns:p="http://schemas.openxmlformats.org/presentationml/2006/main" xmlns:mv="urn:schemas-microsoft-com:mac:vml" xmlns:mc="http://schemas.openxmlformats.org/markup-compatibility/2006" xmlns:r="http://schemas.openxmlformats.org/officeDocument/2006/relationships" xmlns:a="http://schemas.openxmlformats.org/drawingml/2006/main" xmlns="">
-            <p:blipFill>
-              <a:blip r:embed="rId6"/>
-              <a:stretch>
-                <a:fillRect/>
-              </a:stretch>
-            </p:blipFill>
-          </mc:Fallback>
-        </mc:AlternateContent>
-        <p:spPr>
-          <a:xfrm>
-            <a:off x="1947160" y="2889322"/>
-            <a:ext cx="3786155" cy="1990145"/>
-          </a:xfrm>
-          <a:prstGeom prst="rect">
-            <a:avLst/>
-          </a:prstGeom>
-        </p:spPr>
-      </p:pic>
-      <p:pic>
-        <p:nvPicPr>
-          <p:cNvPr id="17" name="Picture 16" descr="figure_2Cbis.pdf"/>
-          <p:cNvPicPr>
-            <a:picLocks noChangeAspect="1"/>
-          </p:cNvPicPr>
-          <p:nvPr/>
-        </p:nvPicPr>
-        <mc:AlternateContent xmlns:ma="http://schemas.microsoft.com/office/mac/drawingml/2008/main">
-          <mc:Choice Requires="ma">
-            <p:blipFill>
-              <a:blip r:embed="rId7"/>
-              <a:stretch>
-                <a:fillRect/>
-              </a:stretch>
-            </p:blipFill>
-          </mc:Choice>
-          <mc:Fallback xmlns:p="http://schemas.openxmlformats.org/presentationml/2006/main" xmlns:mv="urn:schemas-microsoft-com:mac:vml" xmlns:mc="http://schemas.openxmlformats.org/markup-compatibility/2006" xmlns:r="http://schemas.openxmlformats.org/officeDocument/2006/relationships" xmlns:a="http://schemas.openxmlformats.org/drawingml/2006/main" xmlns="">
-            <p:blipFill>
-              <a:blip r:embed="rId8"/>
-              <a:stretch>
-                <a:fillRect/>
-              </a:stretch>
-            </p:blipFill>
-          </mc:Fallback>
-        </mc:AlternateContent>
-        <p:spPr>
-          <a:xfrm>
-            <a:off x="1947160" y="4514586"/>
-            <a:ext cx="3786155" cy="1990145"/>
-          </a:xfrm>
-          <a:prstGeom prst="rect">
-            <a:avLst/>
-          </a:prstGeom>
-        </p:spPr>
-      </p:pic>
-      <p:pic>
-        <p:nvPicPr>
-          <p:cNvPr id="18" name="Picture 17" descr="figure_2Dbis.pdf"/>
-          <p:cNvPicPr>
-            <a:picLocks noChangeAspect="1"/>
-          </p:cNvPicPr>
-          <p:nvPr/>
-        </p:nvPicPr>
-        <mc:AlternateContent xmlns:ma="http://schemas.microsoft.com/office/mac/drawingml/2008/main">
-          <mc:Choice Requires="ma">
-            <p:blipFill>
-              <a:blip r:embed="rId9"/>
-              <a:stretch>
-                <a:fillRect/>
-              </a:stretch>
-            </p:blipFill>
-          </mc:Choice>
-          <mc:Fallback xmlns:p="http://schemas.openxmlformats.org/presentationml/2006/main" xmlns:mv="urn:schemas-microsoft-com:mac:vml" xmlns:mc="http://schemas.openxmlformats.org/markup-compatibility/2006" xmlns:r="http://schemas.openxmlformats.org/officeDocument/2006/relationships" xmlns:a="http://schemas.openxmlformats.org/drawingml/2006/main" xmlns="">
-            <p:blipFill>
-              <a:blip r:embed="rId10"/>
-              <a:stretch>
-                <a:fillRect/>
-              </a:stretch>
-            </p:blipFill>
-          </mc:Fallback>
-        </mc:AlternateContent>
-        <p:spPr>
-          <a:xfrm>
-            <a:off x="1947411" y="6681444"/>
-            <a:ext cx="3785653" cy="2485783"/>
-          </a:xfrm>
-          <a:prstGeom prst="rect">
-            <a:avLst/>
-          </a:prstGeom>
-        </p:spPr>
-      </p:pic>
-      <p:sp>
-        <p:nvSpPr>
-          <p:cNvPr id="19" name="TextBox 18"/>
-          <p:cNvSpPr txBox="1"/>
-          <p:nvPr/>
-        </p:nvSpPr>
-        <p:spPr>
-          <a:xfrm>
-            <a:off x="866099" y="1130082"/>
-            <a:ext cx="383382" cy="431499"/>
-          </a:xfrm>
-          <a:prstGeom prst="rect">
-            <a:avLst/>
-          </a:prstGeom>
-          <a:noFill/>
-        </p:spPr>
-        <p:txBody>
-          <a:bodyPr wrap="none" lIns="107287" tIns="53643" rIns="107287" bIns="53643" rtlCol="0">
-            <a:spAutoFit/>
-          </a:bodyPr>
-          <a:lstStyle/>
-          <a:p>
-            <a:r>
-              <a:rPr lang="en-US" b="1" dirty="0" smtClean="0"/>
-              <a:t>A</a:t>
-            </a:r>
-            <a:endParaRPr lang="en-US" b="1" dirty="0"/>
-          </a:p>
-        </p:txBody>
-      </p:sp>
-      <p:sp>
-        <p:nvSpPr>
-          <p:cNvPr id="20" name="TextBox 19"/>
-          <p:cNvSpPr txBox="1"/>
-          <p:nvPr/>
-        </p:nvSpPr>
-        <p:spPr>
-          <a:xfrm>
-            <a:off x="854828" y="6681443"/>
-            <a:ext cx="386431" cy="431499"/>
-          </a:xfrm>
-          <a:prstGeom prst="rect">
-            <a:avLst/>
-          </a:prstGeom>
-          <a:noFill/>
-        </p:spPr>
-        <p:txBody>
-          <a:bodyPr wrap="none" lIns="107287" tIns="53643" rIns="107287" bIns="53643" rtlCol="0">
-            <a:spAutoFit/>
-          </a:bodyPr>
-          <a:lstStyle/>
-          <a:p>
-            <a:r>
-              <a:rPr lang="en-US" b="1" dirty="0" smtClean="0"/>
-              <a:t>D</a:t>
-            </a:r>
-            <a:endParaRPr lang="en-US" b="1" dirty="0"/>
-          </a:p>
-        </p:txBody>
-      </p:sp>
-      <p:sp>
-        <p:nvSpPr>
-          <p:cNvPr id="22" name="TextBox 21"/>
-          <p:cNvSpPr txBox="1"/>
-          <p:nvPr/>
-        </p:nvSpPr>
-        <p:spPr>
-          <a:xfrm>
-            <a:off x="854829" y="3178803"/>
-            <a:ext cx="367627" cy="431499"/>
-          </a:xfrm>
-          <a:prstGeom prst="rect">
-            <a:avLst/>
-          </a:prstGeom>
-          <a:noFill/>
-        </p:spPr>
-        <p:txBody>
-          <a:bodyPr wrap="none" lIns="107287" tIns="53643" rIns="107287" bIns="53643" rtlCol="0">
-            <a:spAutoFit/>
-          </a:bodyPr>
-          <a:lstStyle/>
-          <a:p>
-            <a:r>
-              <a:rPr lang="en-US" b="1" dirty="0" smtClean="0"/>
-              <a:t>B</a:t>
-            </a:r>
-            <a:endParaRPr lang="en-US" b="1" dirty="0"/>
-          </a:p>
-        </p:txBody>
-      </p:sp>
-      <p:sp>
-        <p:nvSpPr>
-          <p:cNvPr id="23" name="TextBox 22"/>
-          <p:cNvSpPr txBox="1"/>
-          <p:nvPr/>
-        </p:nvSpPr>
-        <p:spPr>
-          <a:xfrm>
-            <a:off x="854829" y="4822133"/>
-            <a:ext cx="359211" cy="431499"/>
-          </a:xfrm>
-          <a:prstGeom prst="rect">
-            <a:avLst/>
-          </a:prstGeom>
-          <a:noFill/>
-        </p:spPr>
-        <p:txBody>
-          <a:bodyPr wrap="none" lIns="107287" tIns="53643" rIns="107287" bIns="53643" rtlCol="0">
-            <a:spAutoFit/>
-          </a:bodyPr>
-          <a:lstStyle/>
-          <a:p>
-            <a:r>
-              <a:rPr lang="en-US" b="1" dirty="0" smtClean="0"/>
-              <a:t>C</a:t>
-            </a:r>
-            <a:endParaRPr lang="en-US" b="1" dirty="0"/>
-          </a:p>
-        </p:txBody>
-      </p:sp>
-      <p:sp>
-        <p:nvSpPr>
-          <p:cNvPr id="24" name="TextBox 23"/>
-          <p:cNvSpPr txBox="1"/>
-          <p:nvPr/>
-        </p:nvSpPr>
-        <p:spPr>
-          <a:xfrm>
-            <a:off x="4001969" y="656179"/>
-            <a:ext cx="1771815" cy="431499"/>
-          </a:xfrm>
-          <a:prstGeom prst="rect">
-            <a:avLst/>
-          </a:prstGeom>
-          <a:noFill/>
-        </p:spPr>
-        <p:txBody>
-          <a:bodyPr wrap="square" lIns="107287" tIns="53643" rIns="107287" bIns="53643" rtlCol="0">
-            <a:spAutoFit/>
-          </a:bodyPr>
-          <a:lstStyle/>
-          <a:p>
-            <a:pPr algn="ctr"/>
-            <a:r>
-              <a:rPr lang="en-US" dirty="0" smtClean="0">
+        </p:grpSpPr>
+        <p:sp>
+          <p:nvSpPr>
+            <p:cNvPr id="24" name="TextBox 23"/>
+            <p:cNvSpPr txBox="1"/>
+            <p:nvPr/>
+          </p:nvSpPr>
+          <p:spPr>
+            <a:xfrm>
+              <a:off x="3810001" y="656179"/>
+              <a:ext cx="1219199" cy="431499"/>
+            </a:xfrm>
+            <a:prstGeom prst="rect">
+              <a:avLst/>
+            </a:prstGeom>
+            <a:noFill/>
+          </p:spPr>
+          <p:txBody>
+            <a:bodyPr wrap="square" lIns="107287" tIns="53643" rIns="107287" bIns="53643" rtlCol="0">
+              <a:spAutoFit/>
+            </a:bodyPr>
+            <a:lstStyle/>
+            <a:p>
+              <a:pPr algn="ctr"/>
+              <a:r>
+                <a:rPr lang="en-US" dirty="0" smtClean="0">
+                  <a:solidFill>
+                    <a:srgbClr val="00FF00"/>
+                  </a:solidFill>
+                </a:rPr>
+                <a:t>Novel</a:t>
+              </a:r>
+              <a:endParaRPr lang="en-US" dirty="0">
                 <a:solidFill>
                   <a:srgbClr val="00FF00"/>
                 </a:solidFill>
-              </a:rPr>
-              <a:t>Novel</a:t>
-            </a:r>
-            <a:endParaRPr lang="en-US" dirty="0">
-              <a:solidFill>
-                <a:srgbClr val="00FF00"/>
-              </a:solidFill>
-            </a:endParaRPr>
-          </a:p>
-        </p:txBody>
-      </p:sp>
-      <p:sp>
-        <p:nvSpPr>
-          <p:cNvPr id="25" name="TextBox 24"/>
-          <p:cNvSpPr txBox="1"/>
-          <p:nvPr/>
-        </p:nvSpPr>
-        <p:spPr>
-          <a:xfrm>
-            <a:off x="2080275" y="656179"/>
-            <a:ext cx="1771815" cy="431499"/>
-          </a:xfrm>
-          <a:prstGeom prst="rect">
-            <a:avLst/>
-          </a:prstGeom>
-          <a:noFill/>
-        </p:spPr>
-        <p:txBody>
-          <a:bodyPr wrap="square" lIns="107287" tIns="53643" rIns="107287" bIns="53643" rtlCol="0">
-            <a:spAutoFit/>
-          </a:bodyPr>
-          <a:lstStyle/>
-          <a:p>
-            <a:pPr algn="ctr"/>
-            <a:r>
-              <a:rPr lang="en-US" dirty="0" smtClean="0">
+              </a:endParaRPr>
+            </a:p>
+          </p:txBody>
+        </p:sp>
+        <p:sp>
+          <p:nvSpPr>
+            <p:cNvPr id="25" name="TextBox 24"/>
+            <p:cNvSpPr txBox="1"/>
+            <p:nvPr/>
+          </p:nvSpPr>
+          <p:spPr>
+            <a:xfrm>
+              <a:off x="2209800" y="656179"/>
+              <a:ext cx="1219200" cy="431499"/>
+            </a:xfrm>
+            <a:prstGeom prst="rect">
+              <a:avLst/>
+            </a:prstGeom>
+            <a:noFill/>
+          </p:spPr>
+          <p:txBody>
+            <a:bodyPr wrap="square" lIns="107287" tIns="53643" rIns="107287" bIns="53643" rtlCol="0">
+              <a:spAutoFit/>
+            </a:bodyPr>
+            <a:lstStyle/>
+            <a:p>
+              <a:pPr algn="ctr"/>
+              <a:r>
+                <a:rPr lang="en-US" dirty="0" smtClean="0">
+                  <a:solidFill>
+                    <a:srgbClr val="FF0000"/>
+                  </a:solidFill>
+                </a:rPr>
+                <a:t>Familiar</a:t>
+              </a:r>
+              <a:endParaRPr lang="en-US" dirty="0">
                 <a:solidFill>
                   <a:srgbClr val="FF0000"/>
                 </a:solidFill>
-              </a:rPr>
-              <a:t>Familiar</a:t>
-            </a:r>
-            <a:endParaRPr lang="en-US" dirty="0">
-              <a:solidFill>
-                <a:srgbClr val="FF0000"/>
-              </a:solidFill>
-            </a:endParaRPr>
-          </a:p>
-        </p:txBody>
-      </p:sp>
-      <p:sp>
-        <p:nvSpPr>
-          <p:cNvPr id="26" name="TextBox 25"/>
-          <p:cNvSpPr txBox="1"/>
+              </a:endParaRPr>
+            </a:p>
+          </p:txBody>
+        </p:sp>
+      </p:grpSp>
+      <p:grpSp>
+        <p:nvGrpSpPr>
+          <p:cNvPr id="135" name="Group 134"/>
+          <p:cNvGrpSpPr/>
           <p:nvPr/>
-        </p:nvSpPr>
-        <p:spPr>
+        </p:nvGrpSpPr>
+        <p:grpSpPr>
           <a:xfrm>
-            <a:off x="5385947" y="5976424"/>
-            <a:ext cx="375663" cy="323777"/>
+            <a:off x="854829" y="2691437"/>
+            <a:ext cx="4306497" cy="2067843"/>
+            <a:chOff x="854829" y="2772916"/>
+            <a:chExt cx="4306497" cy="2067843"/>
           </a:xfrm>
-          <a:prstGeom prst="rect">
-            <a:avLst/>
-          </a:prstGeom>
-          <a:noFill/>
-        </p:spPr>
-        <p:txBody>
-          <a:bodyPr wrap="square" lIns="107287" tIns="53643" rIns="107287" bIns="53643" rtlCol="0">
-            <a:spAutoFit/>
-          </a:bodyPr>
-          <a:lstStyle/>
-          <a:p>
-            <a:pPr algn="ctr"/>
-            <a:r>
-              <a:rPr lang="en-US" sz="1400" dirty="0"/>
-              <a:t>1</a:t>
-            </a:r>
-          </a:p>
-        </p:txBody>
-      </p:sp>
-      <p:sp>
-        <p:nvSpPr>
-          <p:cNvPr id="28" name="TextBox 27"/>
-          <p:cNvSpPr txBox="1"/>
+        </p:grpSpPr>
+        <p:sp>
+          <p:nvSpPr>
+            <p:cNvPr id="91" name="TextBox 90"/>
+            <p:cNvSpPr txBox="1"/>
+            <p:nvPr/>
+          </p:nvSpPr>
+          <p:spPr>
+            <a:xfrm rot="16200000">
+              <a:off x="700189" y="3682074"/>
+              <a:ext cx="1665784" cy="354555"/>
+            </a:xfrm>
+            <a:prstGeom prst="rect">
+              <a:avLst/>
+            </a:prstGeom>
+            <a:noFill/>
+          </p:spPr>
+          <p:txBody>
+            <a:bodyPr wrap="none" lIns="107287" tIns="53643" rIns="107287" bIns="53643" rtlCol="0">
+              <a:spAutoFit/>
+            </a:bodyPr>
+            <a:lstStyle/>
+            <a:p>
+              <a:r>
+                <a:rPr lang="en-GB" sz="1600" dirty="0" smtClean="0"/>
+                <a:t>fitted parameters</a:t>
+              </a:r>
+              <a:endParaRPr lang="en-US" sz="1600" baseline="-25000" dirty="0"/>
+            </a:p>
+          </p:txBody>
+        </p:sp>
+        <p:sp>
+          <p:nvSpPr>
+            <p:cNvPr id="22" name="TextBox 21"/>
+            <p:cNvSpPr txBox="1"/>
+            <p:nvPr/>
+          </p:nvSpPr>
+          <p:spPr>
+            <a:xfrm>
+              <a:off x="854829" y="2963132"/>
+              <a:ext cx="367627" cy="431499"/>
+            </a:xfrm>
+            <a:prstGeom prst="rect">
+              <a:avLst/>
+            </a:prstGeom>
+            <a:noFill/>
+          </p:spPr>
+          <p:txBody>
+            <a:bodyPr wrap="none" lIns="107287" tIns="53643" rIns="107287" bIns="53643" rtlCol="0">
+              <a:spAutoFit/>
+            </a:bodyPr>
+            <a:lstStyle/>
+            <a:p>
+              <a:r>
+                <a:rPr lang="en-US" b="1" dirty="0" smtClean="0"/>
+                <a:t>B</a:t>
+              </a:r>
+              <a:endParaRPr lang="en-US" b="1" dirty="0"/>
+            </a:p>
+          </p:txBody>
+        </p:sp>
+        <p:pic>
+          <p:nvPicPr>
+            <p:cNvPr id="110" name="Picture 109" descr="figure_2Bbis.pdf"/>
+            <p:cNvPicPr>
+              <a:picLocks noChangeAspect="1"/>
+            </p:cNvPicPr>
+            <p:nvPr/>
+          </p:nvPicPr>
+          <mc:AlternateContent>
+            <mc:Choice xmlns:ma="http://schemas.microsoft.com/office/mac/drawingml/2008/main" Requires="ma">
+              <p:blipFill>
+                <a:blip r:embed="rId3"/>
+                <a:stretch>
+                  <a:fillRect/>
+                </a:stretch>
+              </p:blipFill>
+            </mc:Choice>
+            <mc:Fallback>
+              <p:blipFill>
+                <a:blip r:embed="rId4"/>
+                <a:stretch>
+                  <a:fillRect/>
+                </a:stretch>
+              </p:blipFill>
+            </mc:Fallback>
+          </mc:AlternateContent>
+          <p:spPr>
+            <a:xfrm>
+              <a:off x="1964976" y="2772916"/>
+              <a:ext cx="3196350" cy="2067843"/>
+            </a:xfrm>
+            <a:prstGeom prst="rect">
+              <a:avLst/>
+            </a:prstGeom>
+          </p:spPr>
+        </p:pic>
+        <p:grpSp>
+          <p:nvGrpSpPr>
+            <p:cNvPr id="111" name="Group 110"/>
+            <p:cNvGrpSpPr/>
+            <p:nvPr/>
+          </p:nvGrpSpPr>
+          <p:grpSpPr>
+            <a:xfrm>
+              <a:off x="2292647" y="4255343"/>
+              <a:ext cx="1042934" cy="354555"/>
+              <a:chOff x="2292647" y="4328017"/>
+              <a:chExt cx="1042934" cy="354555"/>
+            </a:xfrm>
+          </p:grpSpPr>
+          <p:sp>
+            <p:nvSpPr>
+              <p:cNvPr id="41" name="TextBox 40"/>
+              <p:cNvSpPr txBox="1"/>
+              <p:nvPr/>
+            </p:nvSpPr>
+            <p:spPr>
+              <a:xfrm>
+                <a:off x="2926551" y="4328017"/>
+                <a:ext cx="409030" cy="354555"/>
+              </a:xfrm>
+              <a:prstGeom prst="rect">
+                <a:avLst/>
+              </a:prstGeom>
+              <a:noFill/>
+            </p:spPr>
+            <p:txBody>
+              <a:bodyPr wrap="none" lIns="107287" tIns="53643" rIns="107287" bIns="53643" rtlCol="0">
+                <a:spAutoFit/>
+              </a:bodyPr>
+              <a:lstStyle/>
+              <a:p>
+                <a:r>
+                  <a:rPr lang="el-GR" sz="1600" dirty="0" smtClean="0"/>
+                  <a:t>α</a:t>
+                </a:r>
+                <a:r>
+                  <a:rPr lang="en-US" sz="1600" baseline="-25000" dirty="0" smtClean="0"/>
+                  <a:t>R</a:t>
+                </a:r>
+                <a:endParaRPr lang="en-US" sz="1600" baseline="-25000" dirty="0"/>
+              </a:p>
+            </p:txBody>
+          </p:sp>
+          <p:sp>
+            <p:nvSpPr>
+              <p:cNvPr id="42" name="TextBox 41"/>
+              <p:cNvSpPr txBox="1"/>
+              <p:nvPr/>
+            </p:nvSpPr>
+            <p:spPr>
+              <a:xfrm>
+                <a:off x="2292647" y="4328017"/>
+                <a:ext cx="450040" cy="354555"/>
+              </a:xfrm>
+              <a:prstGeom prst="rect">
+                <a:avLst/>
+              </a:prstGeom>
+              <a:noFill/>
+            </p:spPr>
+            <p:txBody>
+              <a:bodyPr wrap="none" lIns="107287" tIns="53643" rIns="107287" bIns="53643" rtlCol="0">
+                <a:spAutoFit/>
+              </a:bodyPr>
+              <a:lstStyle/>
+              <a:p>
+                <a:r>
+                  <a:rPr lang="el-GR" sz="1600" dirty="0" smtClean="0"/>
+                  <a:t>α</a:t>
+                </a:r>
+                <a:r>
+                  <a:rPr lang="en-US" sz="1600" baseline="-25000" dirty="0" smtClean="0"/>
+                  <a:t>M</a:t>
+                </a:r>
+                <a:endParaRPr lang="en-US" sz="1600" baseline="-25000" dirty="0"/>
+              </a:p>
+            </p:txBody>
+          </p:sp>
+        </p:grpSp>
+        <p:grpSp>
+          <p:nvGrpSpPr>
+            <p:cNvPr id="119" name="Group 118"/>
+            <p:cNvGrpSpPr/>
+            <p:nvPr/>
+          </p:nvGrpSpPr>
+          <p:grpSpPr>
+            <a:xfrm>
+              <a:off x="1418772" y="3070854"/>
+              <a:ext cx="780241" cy="1434586"/>
+              <a:chOff x="1418772" y="3070854"/>
+              <a:chExt cx="780241" cy="1434586"/>
+            </a:xfrm>
+          </p:grpSpPr>
+          <p:sp>
+            <p:nvSpPr>
+              <p:cNvPr id="88" name="TextBox 87"/>
+              <p:cNvSpPr txBox="1"/>
+              <p:nvPr/>
+            </p:nvSpPr>
+            <p:spPr>
+              <a:xfrm>
+                <a:off x="1418772" y="3070854"/>
+                <a:ext cx="780240" cy="323777"/>
+              </a:xfrm>
+              <a:prstGeom prst="rect">
+                <a:avLst/>
+              </a:prstGeom>
+              <a:noFill/>
+            </p:spPr>
+            <p:txBody>
+              <a:bodyPr wrap="square" lIns="107287" tIns="53643" rIns="107287" bIns="53643" rtlCol="0">
+                <a:spAutoFit/>
+              </a:bodyPr>
+              <a:lstStyle/>
+              <a:p>
+                <a:pPr algn="r"/>
+                <a:r>
+                  <a:rPr lang="en-US" sz="1400" dirty="0" smtClean="0"/>
+                  <a:t>1.0</a:t>
+                </a:r>
+                <a:endParaRPr lang="en-US" sz="1400" dirty="0"/>
+              </a:p>
+            </p:txBody>
+          </p:sp>
+          <p:sp>
+            <p:nvSpPr>
+              <p:cNvPr id="89" name="TextBox 88"/>
+              <p:cNvSpPr txBox="1"/>
+              <p:nvPr/>
+            </p:nvSpPr>
+            <p:spPr>
+              <a:xfrm>
+                <a:off x="1533073" y="3628068"/>
+                <a:ext cx="665940" cy="323777"/>
+              </a:xfrm>
+              <a:prstGeom prst="rect">
+                <a:avLst/>
+              </a:prstGeom>
+              <a:noFill/>
+            </p:spPr>
+            <p:txBody>
+              <a:bodyPr wrap="square" lIns="107287" tIns="53643" rIns="107287" bIns="53643" rtlCol="0">
+                <a:spAutoFit/>
+              </a:bodyPr>
+              <a:lstStyle/>
+              <a:p>
+                <a:pPr algn="r"/>
+                <a:r>
+                  <a:rPr lang="en-US" sz="1400" dirty="0" smtClean="0"/>
+                  <a:t>0.5</a:t>
+                </a:r>
+                <a:endParaRPr lang="en-US" sz="1400" dirty="0"/>
+              </a:p>
+            </p:txBody>
+          </p:sp>
+          <p:sp>
+            <p:nvSpPr>
+              <p:cNvPr id="90" name="TextBox 89"/>
+              <p:cNvSpPr txBox="1"/>
+              <p:nvPr/>
+            </p:nvSpPr>
+            <p:spPr>
+              <a:xfrm>
+                <a:off x="1533071" y="4181663"/>
+                <a:ext cx="665940" cy="323777"/>
+              </a:xfrm>
+              <a:prstGeom prst="rect">
+                <a:avLst/>
+              </a:prstGeom>
+              <a:noFill/>
+            </p:spPr>
+            <p:txBody>
+              <a:bodyPr wrap="square" lIns="107287" tIns="53643" rIns="107287" bIns="53643" rtlCol="0">
+                <a:spAutoFit/>
+              </a:bodyPr>
+              <a:lstStyle/>
+              <a:p>
+                <a:pPr algn="r"/>
+                <a:r>
+                  <a:rPr lang="en-US" sz="1400" dirty="0" smtClean="0"/>
+                  <a:t>0.0</a:t>
+                </a:r>
+                <a:endParaRPr lang="en-US" sz="1400" dirty="0"/>
+              </a:p>
+            </p:txBody>
+          </p:sp>
+        </p:grpSp>
+        <p:grpSp>
+          <p:nvGrpSpPr>
+            <p:cNvPr id="112" name="Group 111"/>
+            <p:cNvGrpSpPr/>
+            <p:nvPr/>
+          </p:nvGrpSpPr>
+          <p:grpSpPr>
+            <a:xfrm>
+              <a:off x="3902258" y="4255342"/>
+              <a:ext cx="1042934" cy="354555"/>
+              <a:chOff x="2292647" y="4328017"/>
+              <a:chExt cx="1042934" cy="354555"/>
+            </a:xfrm>
+          </p:grpSpPr>
+          <p:sp>
+            <p:nvSpPr>
+              <p:cNvPr id="113" name="TextBox 112"/>
+              <p:cNvSpPr txBox="1"/>
+              <p:nvPr/>
+            </p:nvSpPr>
+            <p:spPr>
+              <a:xfrm>
+                <a:off x="2926551" y="4328017"/>
+                <a:ext cx="409030" cy="354555"/>
+              </a:xfrm>
+              <a:prstGeom prst="rect">
+                <a:avLst/>
+              </a:prstGeom>
+              <a:noFill/>
+            </p:spPr>
+            <p:txBody>
+              <a:bodyPr wrap="none" lIns="107287" tIns="53643" rIns="107287" bIns="53643" rtlCol="0">
+                <a:spAutoFit/>
+              </a:bodyPr>
+              <a:lstStyle/>
+              <a:p>
+                <a:r>
+                  <a:rPr lang="el-GR" sz="1600" dirty="0" smtClean="0"/>
+                  <a:t>α</a:t>
+                </a:r>
+                <a:r>
+                  <a:rPr lang="en-US" sz="1600" baseline="-25000" dirty="0" smtClean="0"/>
+                  <a:t>R</a:t>
+                </a:r>
+                <a:endParaRPr lang="en-US" sz="1600" baseline="-25000" dirty="0"/>
+              </a:p>
+            </p:txBody>
+          </p:sp>
+          <p:sp>
+            <p:nvSpPr>
+              <p:cNvPr id="114" name="TextBox 113"/>
+              <p:cNvSpPr txBox="1"/>
+              <p:nvPr/>
+            </p:nvSpPr>
+            <p:spPr>
+              <a:xfrm>
+                <a:off x="2292647" y="4328017"/>
+                <a:ext cx="450040" cy="354555"/>
+              </a:xfrm>
+              <a:prstGeom prst="rect">
+                <a:avLst/>
+              </a:prstGeom>
+              <a:noFill/>
+            </p:spPr>
+            <p:txBody>
+              <a:bodyPr wrap="none" lIns="107287" tIns="53643" rIns="107287" bIns="53643" rtlCol="0">
+                <a:spAutoFit/>
+              </a:bodyPr>
+              <a:lstStyle/>
+              <a:p>
+                <a:r>
+                  <a:rPr lang="el-GR" sz="1600" dirty="0" smtClean="0"/>
+                  <a:t>α</a:t>
+                </a:r>
+                <a:r>
+                  <a:rPr lang="en-US" sz="1600" baseline="-25000" dirty="0" smtClean="0"/>
+                  <a:t>M</a:t>
+                </a:r>
+                <a:endParaRPr lang="en-US" sz="1600" baseline="-25000" dirty="0"/>
+              </a:p>
+            </p:txBody>
+          </p:sp>
+        </p:grpSp>
+      </p:grpSp>
+      <p:grpSp>
+        <p:nvGrpSpPr>
+          <p:cNvPr id="141" name="Group 140"/>
+          <p:cNvGrpSpPr/>
           <p:nvPr/>
-        </p:nvSpPr>
-        <p:spPr>
+        </p:nvGrpSpPr>
+        <p:grpSpPr>
           <a:xfrm>
-            <a:off x="4565528" y="5976424"/>
-            <a:ext cx="595797" cy="323777"/>
+            <a:off x="868543" y="650581"/>
+            <a:ext cx="4365025" cy="2163896"/>
+            <a:chOff x="868543" y="650581"/>
+            <a:chExt cx="4365025" cy="2163896"/>
           </a:xfrm>
-          <a:prstGeom prst="rect">
-            <a:avLst/>
-          </a:prstGeom>
-          <a:noFill/>
-        </p:spPr>
-        <p:txBody>
-          <a:bodyPr wrap="square" lIns="107287" tIns="53643" rIns="107287" bIns="53643" rtlCol="0">
-            <a:spAutoFit/>
-          </a:bodyPr>
-          <a:lstStyle/>
-          <a:p>
-            <a:pPr algn="ctr"/>
-            <a:r>
-              <a:rPr lang="en-US" sz="1400" dirty="0" smtClean="0"/>
-              <a:t>0.5</a:t>
-            </a:r>
-            <a:endParaRPr lang="en-US" sz="1400" dirty="0"/>
-          </a:p>
-        </p:txBody>
-      </p:sp>
-      <p:sp>
-        <p:nvSpPr>
-          <p:cNvPr id="29" name="TextBox 28"/>
-          <p:cNvSpPr txBox="1"/>
+        </p:grpSpPr>
+        <p:sp>
+          <p:nvSpPr>
+            <p:cNvPr id="94" name="TextBox 93"/>
+            <p:cNvSpPr txBox="1"/>
+            <p:nvPr/>
+          </p:nvSpPr>
+          <p:spPr>
+            <a:xfrm rot="16200000">
+              <a:off x="798929" y="1466702"/>
+              <a:ext cx="1473200" cy="354555"/>
+            </a:xfrm>
+            <a:prstGeom prst="rect">
+              <a:avLst/>
+            </a:prstGeom>
+            <a:noFill/>
+          </p:spPr>
+          <p:txBody>
+            <a:bodyPr wrap="square" lIns="107287" tIns="53643" rIns="107287" bIns="53643" rtlCol="0">
+              <a:spAutoFit/>
+            </a:bodyPr>
+            <a:lstStyle/>
+            <a:p>
+              <a:pPr algn="ctr"/>
+              <a:r>
+                <a:rPr lang="en-US" sz="1600" dirty="0" smtClean="0"/>
+                <a:t>parameter </a:t>
+              </a:r>
+              <a:r>
+                <a:rPr lang="el-GR" sz="1600" dirty="0" smtClean="0"/>
+                <a:t>α</a:t>
+              </a:r>
+              <a:r>
+                <a:rPr lang="en-GB" sz="1600" baseline="-25000" dirty="0" smtClean="0"/>
+                <a:t>R</a:t>
+              </a:r>
+              <a:endParaRPr lang="en-US" sz="1600" baseline="-25000" dirty="0"/>
+            </a:p>
+          </p:txBody>
+        </p:sp>
+        <p:sp>
+          <p:nvSpPr>
+            <p:cNvPr id="19" name="TextBox 18"/>
+            <p:cNvSpPr txBox="1"/>
+            <p:nvPr/>
+          </p:nvSpPr>
+          <p:spPr>
+            <a:xfrm>
+              <a:off x="868543" y="837312"/>
+              <a:ext cx="383382" cy="431499"/>
+            </a:xfrm>
+            <a:prstGeom prst="rect">
+              <a:avLst/>
+            </a:prstGeom>
+            <a:noFill/>
+          </p:spPr>
+          <p:txBody>
+            <a:bodyPr wrap="none" lIns="107287" tIns="53643" rIns="107287" bIns="53643" rtlCol="0">
+              <a:spAutoFit/>
+            </a:bodyPr>
+            <a:lstStyle/>
+            <a:p>
+              <a:r>
+                <a:rPr lang="en-US" b="1" dirty="0" smtClean="0"/>
+                <a:t>A</a:t>
+              </a:r>
+              <a:endParaRPr lang="en-US" b="1" dirty="0"/>
+            </a:p>
+          </p:txBody>
+        </p:sp>
+        <p:pic>
+          <p:nvPicPr>
+            <p:cNvPr id="80" name="Picture 79" descr="figure_2Abis.pdf"/>
+            <p:cNvPicPr>
+              <a:picLocks noChangeAspect="1"/>
+            </p:cNvPicPr>
+            <p:nvPr/>
+          </p:nvPicPr>
+          <mc:AlternateContent>
+            <mc:Choice xmlns:ma="http://schemas.microsoft.com/office/mac/drawingml/2008/main" Requires="ma">
+              <p:blipFill>
+                <a:blip r:embed="rId5"/>
+                <a:stretch>
+                  <a:fillRect/>
+                </a:stretch>
+              </p:blipFill>
+            </mc:Choice>
+            <mc:Fallback>
+              <p:blipFill>
+                <a:blip r:embed="rId6"/>
+                <a:stretch>
+                  <a:fillRect/>
+                </a:stretch>
+              </p:blipFill>
+            </mc:Fallback>
+          </mc:AlternateContent>
+          <p:spPr>
+            <a:xfrm>
+              <a:off x="1981200" y="650581"/>
+              <a:ext cx="3182570" cy="2058929"/>
+            </a:xfrm>
+            <a:prstGeom prst="rect">
+              <a:avLst/>
+            </a:prstGeom>
+          </p:spPr>
+        </p:pic>
+        <p:grpSp>
+          <p:nvGrpSpPr>
+            <p:cNvPr id="96" name="Group 95"/>
+            <p:cNvGrpSpPr/>
+            <p:nvPr/>
+          </p:nvGrpSpPr>
+          <p:grpSpPr>
+            <a:xfrm>
+              <a:off x="1465666" y="810307"/>
+              <a:ext cx="780241" cy="1669839"/>
+              <a:chOff x="1418772" y="1103077"/>
+              <a:chExt cx="780241" cy="1669839"/>
+            </a:xfrm>
+          </p:grpSpPr>
+          <p:sp>
+            <p:nvSpPr>
+              <p:cNvPr id="73" name="TextBox 72"/>
+              <p:cNvSpPr txBox="1"/>
+              <p:nvPr/>
+            </p:nvSpPr>
+            <p:spPr>
+              <a:xfrm>
+                <a:off x="1418772" y="1103077"/>
+                <a:ext cx="780240" cy="323777"/>
+              </a:xfrm>
+              <a:prstGeom prst="rect">
+                <a:avLst/>
+              </a:prstGeom>
+              <a:noFill/>
+            </p:spPr>
+            <p:txBody>
+              <a:bodyPr wrap="square" lIns="107287" tIns="53643" rIns="107287" bIns="53643" rtlCol="0">
+                <a:spAutoFit/>
+              </a:bodyPr>
+              <a:lstStyle/>
+              <a:p>
+                <a:pPr algn="r"/>
+                <a:r>
+                  <a:rPr lang="en-US" sz="1400" dirty="0" smtClean="0"/>
+                  <a:t>1.0</a:t>
+                </a:r>
+                <a:endParaRPr lang="en-US" sz="1400" dirty="0"/>
+              </a:p>
+            </p:txBody>
+          </p:sp>
+          <p:sp>
+            <p:nvSpPr>
+              <p:cNvPr id="74" name="TextBox 73"/>
+              <p:cNvSpPr txBox="1"/>
+              <p:nvPr/>
+            </p:nvSpPr>
+            <p:spPr>
+              <a:xfrm>
+                <a:off x="1533073" y="1785197"/>
+                <a:ext cx="665940" cy="323777"/>
+              </a:xfrm>
+              <a:prstGeom prst="rect">
+                <a:avLst/>
+              </a:prstGeom>
+              <a:noFill/>
+            </p:spPr>
+            <p:txBody>
+              <a:bodyPr wrap="square" lIns="107287" tIns="53643" rIns="107287" bIns="53643" rtlCol="0">
+                <a:spAutoFit/>
+              </a:bodyPr>
+              <a:lstStyle/>
+              <a:p>
+                <a:pPr algn="r"/>
+                <a:r>
+                  <a:rPr lang="en-US" sz="1400" dirty="0" smtClean="0"/>
+                  <a:t>0.5</a:t>
+                </a:r>
+                <a:endParaRPr lang="en-US" sz="1400" dirty="0"/>
+              </a:p>
+            </p:txBody>
+          </p:sp>
+          <p:sp>
+            <p:nvSpPr>
+              <p:cNvPr id="75" name="TextBox 74"/>
+              <p:cNvSpPr txBox="1"/>
+              <p:nvPr/>
+            </p:nvSpPr>
+            <p:spPr>
+              <a:xfrm>
+                <a:off x="1533071" y="2449139"/>
+                <a:ext cx="665940" cy="323777"/>
+              </a:xfrm>
+              <a:prstGeom prst="rect">
+                <a:avLst/>
+              </a:prstGeom>
+              <a:noFill/>
+            </p:spPr>
+            <p:txBody>
+              <a:bodyPr wrap="square" lIns="107287" tIns="53643" rIns="107287" bIns="53643" rtlCol="0">
+                <a:spAutoFit/>
+              </a:bodyPr>
+              <a:lstStyle/>
+              <a:p>
+                <a:pPr algn="r"/>
+                <a:r>
+                  <a:rPr lang="en-US" sz="1400" dirty="0" smtClean="0"/>
+                  <a:t>0</a:t>
+                </a:r>
+                <a:endParaRPr lang="en-US" sz="1400" dirty="0"/>
+              </a:p>
+            </p:txBody>
+          </p:sp>
+        </p:grpSp>
+        <p:grpSp>
+          <p:nvGrpSpPr>
+            <p:cNvPr id="108" name="Group 107"/>
+            <p:cNvGrpSpPr/>
+            <p:nvPr/>
+          </p:nvGrpSpPr>
+          <p:grpSpPr>
+            <a:xfrm>
+              <a:off x="1967420" y="2296489"/>
+              <a:ext cx="3266148" cy="323777"/>
+              <a:chOff x="1964976" y="2589259"/>
+              <a:chExt cx="3266148" cy="323777"/>
+            </a:xfrm>
+          </p:grpSpPr>
+          <p:grpSp>
+            <p:nvGrpSpPr>
+              <p:cNvPr id="101" name="Group 100"/>
+              <p:cNvGrpSpPr/>
+              <p:nvPr/>
+            </p:nvGrpSpPr>
+            <p:grpSpPr>
+              <a:xfrm>
+                <a:off x="3521265" y="2589259"/>
+                <a:ext cx="1709859" cy="323777"/>
+                <a:chOff x="3521265" y="2652759"/>
+                <a:chExt cx="1709859" cy="323777"/>
+              </a:xfrm>
+            </p:grpSpPr>
+            <p:sp>
+              <p:nvSpPr>
+                <p:cNvPr id="98" name="TextBox 97"/>
+                <p:cNvSpPr txBox="1"/>
+                <p:nvPr/>
+              </p:nvSpPr>
+              <p:spPr>
+                <a:xfrm>
+                  <a:off x="4855461" y="2652759"/>
+                  <a:ext cx="375663" cy="323777"/>
+                </a:xfrm>
+                <a:prstGeom prst="rect">
+                  <a:avLst/>
+                </a:prstGeom>
+                <a:noFill/>
+              </p:spPr>
+              <p:txBody>
+                <a:bodyPr wrap="square" lIns="107287" tIns="53643" rIns="107287" bIns="53643" rtlCol="0">
+                  <a:spAutoFit/>
+                </a:bodyPr>
+                <a:lstStyle/>
+                <a:p>
+                  <a:pPr algn="ctr"/>
+                  <a:r>
+                    <a:rPr lang="en-US" sz="1400" dirty="0"/>
+                    <a:t>1</a:t>
+                  </a:r>
+                </a:p>
+              </p:txBody>
+            </p:sp>
+            <p:sp>
+              <p:nvSpPr>
+                <p:cNvPr id="99" name="TextBox 98"/>
+                <p:cNvSpPr txBox="1"/>
+                <p:nvPr/>
+              </p:nvSpPr>
+              <p:spPr>
+                <a:xfrm>
+                  <a:off x="4141317" y="2652759"/>
+                  <a:ext cx="595797" cy="323777"/>
+                </a:xfrm>
+                <a:prstGeom prst="rect">
+                  <a:avLst/>
+                </a:prstGeom>
+                <a:noFill/>
+              </p:spPr>
+              <p:txBody>
+                <a:bodyPr wrap="square" lIns="107287" tIns="53643" rIns="107287" bIns="53643" rtlCol="0">
+                  <a:spAutoFit/>
+                </a:bodyPr>
+                <a:lstStyle/>
+                <a:p>
+                  <a:pPr algn="ctr"/>
+                  <a:r>
+                    <a:rPr lang="en-US" sz="1400" dirty="0" smtClean="0"/>
+                    <a:t>0.5</a:t>
+                  </a:r>
+                  <a:endParaRPr lang="en-US" sz="1400" dirty="0"/>
+                </a:p>
+              </p:txBody>
+            </p:sp>
+            <p:sp>
+              <p:nvSpPr>
+                <p:cNvPr id="100" name="TextBox 99"/>
+                <p:cNvSpPr txBox="1"/>
+                <p:nvPr/>
+              </p:nvSpPr>
+              <p:spPr>
+                <a:xfrm>
+                  <a:off x="3521265" y="2652759"/>
+                  <a:ext cx="620052" cy="323777"/>
+                </a:xfrm>
+                <a:prstGeom prst="rect">
+                  <a:avLst/>
+                </a:prstGeom>
+                <a:noFill/>
+              </p:spPr>
+              <p:txBody>
+                <a:bodyPr wrap="square" lIns="107287" tIns="53643" rIns="107287" bIns="53643" rtlCol="0">
+                  <a:spAutoFit/>
+                </a:bodyPr>
+                <a:lstStyle/>
+                <a:p>
+                  <a:pPr algn="ctr"/>
+                  <a:r>
+                    <a:rPr lang="en-US" sz="1400" dirty="0" smtClean="0"/>
+                    <a:t>0</a:t>
+                  </a:r>
+                  <a:endParaRPr lang="en-US" sz="1400" dirty="0"/>
+                </a:p>
+              </p:txBody>
+            </p:sp>
+          </p:grpSp>
+          <p:grpSp>
+            <p:nvGrpSpPr>
+              <p:cNvPr id="102" name="Group 101"/>
+              <p:cNvGrpSpPr/>
+              <p:nvPr/>
+            </p:nvGrpSpPr>
+            <p:grpSpPr>
+              <a:xfrm>
+                <a:off x="1964976" y="2589259"/>
+                <a:ext cx="1660438" cy="323777"/>
+                <a:chOff x="3570686" y="2652759"/>
+                <a:chExt cx="1660438" cy="323777"/>
+              </a:xfrm>
+            </p:grpSpPr>
+            <p:sp>
+              <p:nvSpPr>
+                <p:cNvPr id="103" name="TextBox 102"/>
+                <p:cNvSpPr txBox="1"/>
+                <p:nvPr/>
+              </p:nvSpPr>
+              <p:spPr>
+                <a:xfrm>
+                  <a:off x="4855461" y="2652759"/>
+                  <a:ext cx="375663" cy="323777"/>
+                </a:xfrm>
+                <a:prstGeom prst="rect">
+                  <a:avLst/>
+                </a:prstGeom>
+                <a:noFill/>
+              </p:spPr>
+              <p:txBody>
+                <a:bodyPr wrap="square" lIns="107287" tIns="53643" rIns="107287" bIns="53643" rtlCol="0">
+                  <a:spAutoFit/>
+                </a:bodyPr>
+                <a:lstStyle/>
+                <a:p>
+                  <a:pPr algn="ctr"/>
+                  <a:r>
+                    <a:rPr lang="en-US" sz="1400" dirty="0"/>
+                    <a:t>1</a:t>
+                  </a:r>
+                </a:p>
+              </p:txBody>
+            </p:sp>
+            <p:sp>
+              <p:nvSpPr>
+                <p:cNvPr id="104" name="TextBox 103"/>
+                <p:cNvSpPr txBox="1"/>
+                <p:nvPr/>
+              </p:nvSpPr>
+              <p:spPr>
+                <a:xfrm>
+                  <a:off x="4141317" y="2652759"/>
+                  <a:ext cx="595797" cy="323777"/>
+                </a:xfrm>
+                <a:prstGeom prst="rect">
+                  <a:avLst/>
+                </a:prstGeom>
+                <a:noFill/>
+              </p:spPr>
+              <p:txBody>
+                <a:bodyPr wrap="square" lIns="107287" tIns="53643" rIns="107287" bIns="53643" rtlCol="0">
+                  <a:spAutoFit/>
+                </a:bodyPr>
+                <a:lstStyle/>
+                <a:p>
+                  <a:pPr algn="ctr"/>
+                  <a:r>
+                    <a:rPr lang="en-US" sz="1400" dirty="0" smtClean="0"/>
+                    <a:t>0.5</a:t>
+                  </a:r>
+                  <a:endParaRPr lang="en-US" sz="1400" dirty="0"/>
+                </a:p>
+              </p:txBody>
+            </p:sp>
+            <p:sp>
+              <p:nvSpPr>
+                <p:cNvPr id="105" name="TextBox 104"/>
+                <p:cNvSpPr txBox="1"/>
+                <p:nvPr/>
+              </p:nvSpPr>
+              <p:spPr>
+                <a:xfrm>
+                  <a:off x="3570686" y="2652759"/>
+                  <a:ext cx="521210" cy="323777"/>
+                </a:xfrm>
+                <a:prstGeom prst="rect">
+                  <a:avLst/>
+                </a:prstGeom>
+                <a:noFill/>
+              </p:spPr>
+              <p:txBody>
+                <a:bodyPr wrap="square" lIns="107287" tIns="53643" rIns="107287" bIns="53643" rtlCol="0">
+                  <a:spAutoFit/>
+                </a:bodyPr>
+                <a:lstStyle/>
+                <a:p>
+                  <a:pPr algn="ctr"/>
+                  <a:r>
+                    <a:rPr lang="en-US" sz="1400" dirty="0" smtClean="0"/>
+                    <a:t>0</a:t>
+                  </a:r>
+                  <a:endParaRPr lang="en-US" sz="1400" dirty="0"/>
+                </a:p>
+              </p:txBody>
+            </p:sp>
+          </p:grpSp>
+        </p:grpSp>
+        <p:grpSp>
+          <p:nvGrpSpPr>
+            <p:cNvPr id="137" name="Group 136"/>
+            <p:cNvGrpSpPr/>
+            <p:nvPr/>
+          </p:nvGrpSpPr>
+          <p:grpSpPr>
+            <a:xfrm>
+              <a:off x="2086625" y="2459922"/>
+              <a:ext cx="3105857" cy="354555"/>
+              <a:chOff x="2086625" y="6171308"/>
+              <a:chExt cx="3105857" cy="354555"/>
+            </a:xfrm>
+          </p:grpSpPr>
+          <p:sp>
+            <p:nvSpPr>
+              <p:cNvPr id="84" name="TextBox 83"/>
+              <p:cNvSpPr txBox="1"/>
+              <p:nvPr/>
+            </p:nvSpPr>
+            <p:spPr>
+              <a:xfrm>
+                <a:off x="2086625" y="6171308"/>
+                <a:ext cx="1503650" cy="354555"/>
+              </a:xfrm>
+              <a:prstGeom prst="rect">
+                <a:avLst/>
+              </a:prstGeom>
+              <a:noFill/>
+            </p:spPr>
+            <p:txBody>
+              <a:bodyPr wrap="square" lIns="107287" tIns="53643" rIns="107287" bIns="53643" rtlCol="0">
+                <a:spAutoFit/>
+              </a:bodyPr>
+              <a:lstStyle/>
+              <a:p>
+                <a:pPr algn="ctr"/>
+                <a:r>
+                  <a:rPr lang="en-US" sz="1600" dirty="0" smtClean="0"/>
+                  <a:t>parameter </a:t>
+                </a:r>
+                <a:r>
+                  <a:rPr lang="el-GR" sz="1600" dirty="0" smtClean="0"/>
+                  <a:t>α</a:t>
+                </a:r>
+                <a:r>
+                  <a:rPr lang="en-GB" sz="1600" baseline="-25000" dirty="0" smtClean="0"/>
+                  <a:t>M</a:t>
+                </a:r>
+                <a:endParaRPr lang="en-US" sz="1600" baseline="-25000" dirty="0"/>
+              </a:p>
+            </p:txBody>
+          </p:sp>
+          <p:sp>
+            <p:nvSpPr>
+              <p:cNvPr id="118" name="TextBox 117"/>
+              <p:cNvSpPr txBox="1"/>
+              <p:nvPr/>
+            </p:nvSpPr>
+            <p:spPr>
+              <a:xfrm>
+                <a:off x="3688832" y="6171308"/>
+                <a:ext cx="1503650" cy="354555"/>
+              </a:xfrm>
+              <a:prstGeom prst="rect">
+                <a:avLst/>
+              </a:prstGeom>
+              <a:noFill/>
+            </p:spPr>
+            <p:txBody>
+              <a:bodyPr wrap="square" lIns="107287" tIns="53643" rIns="107287" bIns="53643" rtlCol="0">
+                <a:spAutoFit/>
+              </a:bodyPr>
+              <a:lstStyle/>
+              <a:p>
+                <a:pPr algn="ctr"/>
+                <a:r>
+                  <a:rPr lang="en-US" sz="1600" dirty="0" smtClean="0"/>
+                  <a:t>parameter </a:t>
+                </a:r>
+                <a:r>
+                  <a:rPr lang="el-GR" sz="1600" dirty="0" smtClean="0"/>
+                  <a:t>α</a:t>
+                </a:r>
+                <a:r>
+                  <a:rPr lang="en-GB" sz="1600" baseline="-25000" dirty="0" smtClean="0"/>
+                  <a:t>M</a:t>
+                </a:r>
+                <a:endParaRPr lang="en-US" sz="1600" baseline="-25000" dirty="0"/>
+              </a:p>
+            </p:txBody>
+          </p:sp>
+        </p:grpSp>
+      </p:grpSp>
+      <p:grpSp>
+        <p:nvGrpSpPr>
+          <p:cNvPr id="175" name="Group 174"/>
+          <p:cNvGrpSpPr/>
           <p:nvPr/>
-        </p:nvSpPr>
-        <p:spPr>
+        </p:nvGrpSpPr>
+        <p:grpSpPr>
           <a:xfrm>
-            <a:off x="3989795" y="5976424"/>
-            <a:ext cx="375663" cy="323777"/>
+            <a:off x="854829" y="4464371"/>
+            <a:ext cx="4376295" cy="2067842"/>
+            <a:chOff x="854829" y="4464371"/>
+            <a:chExt cx="4376295" cy="2067842"/>
           </a:xfrm>
-          <a:prstGeom prst="rect">
-            <a:avLst/>
-          </a:prstGeom>
-          <a:noFill/>
-        </p:spPr>
-        <p:txBody>
-          <a:bodyPr wrap="square" lIns="107287" tIns="53643" rIns="107287" bIns="53643" rtlCol="0">
-            <a:spAutoFit/>
-          </a:bodyPr>
-          <a:lstStyle/>
-          <a:p>
-            <a:r>
-              <a:rPr lang="en-US" sz="1400" dirty="0" smtClean="0"/>
-              <a:t>0</a:t>
-            </a:r>
-            <a:endParaRPr lang="en-US" sz="1400" dirty="0"/>
-          </a:p>
-        </p:txBody>
-      </p:sp>
-      <p:sp>
-        <p:nvSpPr>
-          <p:cNvPr id="30" name="TextBox 29"/>
-          <p:cNvSpPr txBox="1"/>
+        </p:grpSpPr>
+        <p:pic>
+          <p:nvPicPr>
+            <p:cNvPr id="117" name="Picture 116" descr="figure_2Cbis.pdf"/>
+            <p:cNvPicPr>
+              <a:picLocks noChangeAspect="1"/>
+            </p:cNvPicPr>
+            <p:nvPr/>
+          </p:nvPicPr>
+          <mc:AlternateContent>
+            <mc:Choice xmlns:ma="http://schemas.microsoft.com/office/mac/drawingml/2008/main" Requires="ma">
+              <p:blipFill>
+                <a:blip r:embed="rId7"/>
+                <a:stretch>
+                  <a:fillRect/>
+                </a:stretch>
+              </p:blipFill>
+            </mc:Choice>
+            <mc:Fallback>
+              <p:blipFill>
+                <a:blip r:embed="rId8"/>
+                <a:stretch>
+                  <a:fillRect/>
+                </a:stretch>
+              </p:blipFill>
+            </mc:Fallback>
+          </mc:AlternateContent>
+          <p:spPr>
+            <a:xfrm>
+              <a:off x="1981200" y="4464371"/>
+              <a:ext cx="3196349" cy="2067842"/>
+            </a:xfrm>
+            <a:prstGeom prst="rect">
+              <a:avLst/>
+            </a:prstGeom>
+          </p:spPr>
+        </p:pic>
+        <p:sp>
+          <p:nvSpPr>
+            <p:cNvPr id="23" name="TextBox 22"/>
+            <p:cNvSpPr txBox="1"/>
+            <p:nvPr/>
+          </p:nvSpPr>
+          <p:spPr>
+            <a:xfrm>
+              <a:off x="854829" y="4610765"/>
+              <a:ext cx="359211" cy="431499"/>
+            </a:xfrm>
+            <a:prstGeom prst="rect">
+              <a:avLst/>
+            </a:prstGeom>
+            <a:noFill/>
+          </p:spPr>
+          <p:txBody>
+            <a:bodyPr wrap="none" lIns="107287" tIns="53643" rIns="107287" bIns="53643" rtlCol="0">
+              <a:spAutoFit/>
+            </a:bodyPr>
+            <a:lstStyle/>
+            <a:p>
+              <a:r>
+                <a:rPr lang="en-US" b="1" dirty="0" smtClean="0"/>
+                <a:t>C</a:t>
+              </a:r>
+              <a:endParaRPr lang="en-US" b="1" dirty="0"/>
+            </a:p>
+          </p:txBody>
+        </p:sp>
+        <p:grpSp>
+          <p:nvGrpSpPr>
+            <p:cNvPr id="174" name="Group 173"/>
+            <p:cNvGrpSpPr/>
+            <p:nvPr/>
+          </p:nvGrpSpPr>
+          <p:grpSpPr>
+            <a:xfrm>
+              <a:off x="1418772" y="4756105"/>
+              <a:ext cx="780240" cy="1444111"/>
+              <a:chOff x="1418772" y="4756105"/>
+              <a:chExt cx="780240" cy="1444111"/>
+            </a:xfrm>
+          </p:grpSpPr>
+          <p:sp>
+            <p:nvSpPr>
+              <p:cNvPr id="68" name="TextBox 67"/>
+              <p:cNvSpPr txBox="1"/>
+              <p:nvPr/>
+            </p:nvSpPr>
+            <p:spPr>
+              <a:xfrm>
+                <a:off x="1418772" y="4756105"/>
+                <a:ext cx="780240" cy="323777"/>
+              </a:xfrm>
+              <a:prstGeom prst="rect">
+                <a:avLst/>
+              </a:prstGeom>
+              <a:noFill/>
+            </p:spPr>
+            <p:txBody>
+              <a:bodyPr wrap="square" lIns="107287" tIns="53643" rIns="107287" bIns="53643" rtlCol="0">
+                <a:spAutoFit/>
+              </a:bodyPr>
+              <a:lstStyle/>
+              <a:p>
+                <a:pPr algn="r"/>
+                <a:r>
+                  <a:rPr lang="en-US" sz="1400" dirty="0" smtClean="0"/>
+                  <a:t>100%</a:t>
+                </a:r>
+                <a:endParaRPr lang="en-US" sz="1400" dirty="0"/>
+              </a:p>
+            </p:txBody>
+          </p:sp>
+          <p:sp>
+            <p:nvSpPr>
+              <p:cNvPr id="69" name="TextBox 68"/>
+              <p:cNvSpPr txBox="1"/>
+              <p:nvPr/>
+            </p:nvSpPr>
+            <p:spPr>
+              <a:xfrm>
+                <a:off x="1533071" y="5128903"/>
+                <a:ext cx="665940" cy="323777"/>
+              </a:xfrm>
+              <a:prstGeom prst="rect">
+                <a:avLst/>
+              </a:prstGeom>
+              <a:noFill/>
+            </p:spPr>
+            <p:txBody>
+              <a:bodyPr wrap="square" lIns="107287" tIns="53643" rIns="107287" bIns="53643" rtlCol="0">
+                <a:spAutoFit/>
+              </a:bodyPr>
+              <a:lstStyle/>
+              <a:p>
+                <a:pPr algn="r"/>
+                <a:r>
+                  <a:rPr lang="en-US" sz="1400" dirty="0"/>
+                  <a:t>8</a:t>
+                </a:r>
+                <a:r>
+                  <a:rPr lang="en-US" sz="1400" dirty="0" smtClean="0"/>
+                  <a:t>0%</a:t>
+                </a:r>
+                <a:endParaRPr lang="en-US" sz="1400" dirty="0"/>
+              </a:p>
+            </p:txBody>
+          </p:sp>
+          <p:sp>
+            <p:nvSpPr>
+              <p:cNvPr id="70" name="TextBox 69"/>
+              <p:cNvSpPr txBox="1"/>
+              <p:nvPr/>
+            </p:nvSpPr>
+            <p:spPr>
+              <a:xfrm>
+                <a:off x="1533071" y="5500466"/>
+                <a:ext cx="665940" cy="323777"/>
+              </a:xfrm>
+              <a:prstGeom prst="rect">
+                <a:avLst/>
+              </a:prstGeom>
+              <a:noFill/>
+            </p:spPr>
+            <p:txBody>
+              <a:bodyPr wrap="square" lIns="107287" tIns="53643" rIns="107287" bIns="53643" rtlCol="0">
+                <a:spAutoFit/>
+              </a:bodyPr>
+              <a:lstStyle/>
+              <a:p>
+                <a:pPr algn="r"/>
+                <a:r>
+                  <a:rPr lang="en-US" sz="1400" dirty="0"/>
+                  <a:t>6</a:t>
+                </a:r>
+                <a:r>
+                  <a:rPr lang="en-US" sz="1400" dirty="0" smtClean="0"/>
+                  <a:t>0%</a:t>
+                </a:r>
+                <a:endParaRPr lang="en-US" sz="1400" dirty="0"/>
+              </a:p>
+            </p:txBody>
+          </p:sp>
+          <p:sp>
+            <p:nvSpPr>
+              <p:cNvPr id="71" name="TextBox 70"/>
+              <p:cNvSpPr txBox="1"/>
+              <p:nvPr/>
+            </p:nvSpPr>
+            <p:spPr>
+              <a:xfrm>
+                <a:off x="1533071" y="5876439"/>
+                <a:ext cx="665940" cy="323777"/>
+              </a:xfrm>
+              <a:prstGeom prst="rect">
+                <a:avLst/>
+              </a:prstGeom>
+              <a:noFill/>
+            </p:spPr>
+            <p:txBody>
+              <a:bodyPr wrap="square" lIns="107287" tIns="53643" rIns="107287" bIns="53643" rtlCol="0">
+                <a:spAutoFit/>
+              </a:bodyPr>
+              <a:lstStyle/>
+              <a:p>
+                <a:pPr algn="r"/>
+                <a:r>
+                  <a:rPr lang="en-US" sz="1400" dirty="0" smtClean="0"/>
+                  <a:t>40%</a:t>
+                </a:r>
+                <a:endParaRPr lang="en-US" sz="1400" dirty="0"/>
+              </a:p>
+            </p:txBody>
+          </p:sp>
+        </p:grpSp>
+        <p:sp>
+          <p:nvSpPr>
+            <p:cNvPr id="92" name="TextBox 91"/>
+            <p:cNvSpPr txBox="1"/>
+            <p:nvPr/>
+          </p:nvSpPr>
+          <p:spPr>
+            <a:xfrm rot="16200000">
+              <a:off x="849764" y="5328172"/>
+              <a:ext cx="1366634" cy="354555"/>
+            </a:xfrm>
+            <a:prstGeom prst="rect">
+              <a:avLst/>
+            </a:prstGeom>
+            <a:noFill/>
+          </p:spPr>
+          <p:txBody>
+            <a:bodyPr wrap="square" lIns="107287" tIns="53643" rIns="107287" bIns="53643" rtlCol="0">
+              <a:spAutoFit/>
+            </a:bodyPr>
+            <a:lstStyle/>
+            <a:p>
+              <a:r>
+                <a:rPr lang="en-GB" sz="1600" dirty="0" smtClean="0"/>
+                <a:t>performance</a:t>
+              </a:r>
+              <a:endParaRPr lang="en-US" sz="1600" baseline="-25000" dirty="0"/>
+            </a:p>
+          </p:txBody>
+        </p:sp>
+        <p:grpSp>
+          <p:nvGrpSpPr>
+            <p:cNvPr id="123" name="Group 122"/>
+            <p:cNvGrpSpPr/>
+            <p:nvPr/>
+          </p:nvGrpSpPr>
+          <p:grpSpPr>
+            <a:xfrm>
+              <a:off x="1964976" y="5991918"/>
+              <a:ext cx="3266148" cy="323777"/>
+              <a:chOff x="1964976" y="2589259"/>
+              <a:chExt cx="3266148" cy="323777"/>
+            </a:xfrm>
+          </p:grpSpPr>
+          <p:grpSp>
+            <p:nvGrpSpPr>
+              <p:cNvPr id="124" name="Group 123"/>
+              <p:cNvGrpSpPr/>
+              <p:nvPr/>
+            </p:nvGrpSpPr>
+            <p:grpSpPr>
+              <a:xfrm>
+                <a:off x="3521265" y="2589259"/>
+                <a:ext cx="1709859" cy="323777"/>
+                <a:chOff x="3521265" y="2652759"/>
+                <a:chExt cx="1709859" cy="323777"/>
+              </a:xfrm>
+            </p:grpSpPr>
+            <p:sp>
+              <p:nvSpPr>
+                <p:cNvPr id="129" name="TextBox 128"/>
+                <p:cNvSpPr txBox="1"/>
+                <p:nvPr/>
+              </p:nvSpPr>
+              <p:spPr>
+                <a:xfrm>
+                  <a:off x="4855461" y="2652759"/>
+                  <a:ext cx="375663" cy="323777"/>
+                </a:xfrm>
+                <a:prstGeom prst="rect">
+                  <a:avLst/>
+                </a:prstGeom>
+                <a:noFill/>
+              </p:spPr>
+              <p:txBody>
+                <a:bodyPr wrap="square" lIns="107287" tIns="53643" rIns="107287" bIns="53643" rtlCol="0">
+                  <a:spAutoFit/>
+                </a:bodyPr>
+                <a:lstStyle/>
+                <a:p>
+                  <a:pPr algn="ctr"/>
+                  <a:r>
+                    <a:rPr lang="en-US" sz="1400" dirty="0"/>
+                    <a:t>1</a:t>
+                  </a:r>
+                </a:p>
+              </p:txBody>
+            </p:sp>
+            <p:sp>
+              <p:nvSpPr>
+                <p:cNvPr id="130" name="TextBox 129"/>
+                <p:cNvSpPr txBox="1"/>
+                <p:nvPr/>
+              </p:nvSpPr>
+              <p:spPr>
+                <a:xfrm>
+                  <a:off x="4141317" y="2652759"/>
+                  <a:ext cx="595797" cy="323777"/>
+                </a:xfrm>
+                <a:prstGeom prst="rect">
+                  <a:avLst/>
+                </a:prstGeom>
+                <a:noFill/>
+              </p:spPr>
+              <p:txBody>
+                <a:bodyPr wrap="square" lIns="107287" tIns="53643" rIns="107287" bIns="53643" rtlCol="0">
+                  <a:spAutoFit/>
+                </a:bodyPr>
+                <a:lstStyle/>
+                <a:p>
+                  <a:pPr algn="ctr"/>
+                  <a:r>
+                    <a:rPr lang="en-US" sz="1400" dirty="0" smtClean="0"/>
+                    <a:t>0.5</a:t>
+                  </a:r>
+                  <a:endParaRPr lang="en-US" sz="1400" dirty="0"/>
+                </a:p>
+              </p:txBody>
+            </p:sp>
+            <p:sp>
+              <p:nvSpPr>
+                <p:cNvPr id="131" name="TextBox 130"/>
+                <p:cNvSpPr txBox="1"/>
+                <p:nvPr/>
+              </p:nvSpPr>
+              <p:spPr>
+                <a:xfrm>
+                  <a:off x="3521265" y="2652759"/>
+                  <a:ext cx="620052" cy="323777"/>
+                </a:xfrm>
+                <a:prstGeom prst="rect">
+                  <a:avLst/>
+                </a:prstGeom>
+                <a:noFill/>
+              </p:spPr>
+              <p:txBody>
+                <a:bodyPr wrap="square" lIns="107287" tIns="53643" rIns="107287" bIns="53643" rtlCol="0">
+                  <a:spAutoFit/>
+                </a:bodyPr>
+                <a:lstStyle/>
+                <a:p>
+                  <a:pPr algn="ctr"/>
+                  <a:r>
+                    <a:rPr lang="en-US" sz="1400" dirty="0" smtClean="0"/>
+                    <a:t>0</a:t>
+                  </a:r>
+                  <a:endParaRPr lang="en-US" sz="1400" dirty="0"/>
+                </a:p>
+              </p:txBody>
+            </p:sp>
+          </p:grpSp>
+          <p:grpSp>
+            <p:nvGrpSpPr>
+              <p:cNvPr id="125" name="Group 124"/>
+              <p:cNvGrpSpPr/>
+              <p:nvPr/>
+            </p:nvGrpSpPr>
+            <p:grpSpPr>
+              <a:xfrm>
+                <a:off x="1964976" y="2589259"/>
+                <a:ext cx="1660438" cy="323777"/>
+                <a:chOff x="3570686" y="2652759"/>
+                <a:chExt cx="1660438" cy="323777"/>
+              </a:xfrm>
+            </p:grpSpPr>
+            <p:sp>
+              <p:nvSpPr>
+                <p:cNvPr id="126" name="TextBox 125"/>
+                <p:cNvSpPr txBox="1"/>
+                <p:nvPr/>
+              </p:nvSpPr>
+              <p:spPr>
+                <a:xfrm>
+                  <a:off x="4855461" y="2652759"/>
+                  <a:ext cx="375663" cy="323777"/>
+                </a:xfrm>
+                <a:prstGeom prst="rect">
+                  <a:avLst/>
+                </a:prstGeom>
+                <a:noFill/>
+              </p:spPr>
+              <p:txBody>
+                <a:bodyPr wrap="square" lIns="107287" tIns="53643" rIns="107287" bIns="53643" rtlCol="0">
+                  <a:spAutoFit/>
+                </a:bodyPr>
+                <a:lstStyle/>
+                <a:p>
+                  <a:pPr algn="ctr"/>
+                  <a:r>
+                    <a:rPr lang="en-US" sz="1400" dirty="0"/>
+                    <a:t>1</a:t>
+                  </a:r>
+                </a:p>
+              </p:txBody>
+            </p:sp>
+            <p:sp>
+              <p:nvSpPr>
+                <p:cNvPr id="127" name="TextBox 126"/>
+                <p:cNvSpPr txBox="1"/>
+                <p:nvPr/>
+              </p:nvSpPr>
+              <p:spPr>
+                <a:xfrm>
+                  <a:off x="4141317" y="2652759"/>
+                  <a:ext cx="595797" cy="323777"/>
+                </a:xfrm>
+                <a:prstGeom prst="rect">
+                  <a:avLst/>
+                </a:prstGeom>
+                <a:noFill/>
+              </p:spPr>
+              <p:txBody>
+                <a:bodyPr wrap="square" lIns="107287" tIns="53643" rIns="107287" bIns="53643" rtlCol="0">
+                  <a:spAutoFit/>
+                </a:bodyPr>
+                <a:lstStyle/>
+                <a:p>
+                  <a:pPr algn="ctr"/>
+                  <a:r>
+                    <a:rPr lang="en-US" sz="1400" dirty="0" smtClean="0"/>
+                    <a:t>0.5</a:t>
+                  </a:r>
+                  <a:endParaRPr lang="en-US" sz="1400" dirty="0"/>
+                </a:p>
+              </p:txBody>
+            </p:sp>
+            <p:sp>
+              <p:nvSpPr>
+                <p:cNvPr id="128" name="TextBox 127"/>
+                <p:cNvSpPr txBox="1"/>
+                <p:nvPr/>
+              </p:nvSpPr>
+              <p:spPr>
+                <a:xfrm>
+                  <a:off x="3570686" y="2652759"/>
+                  <a:ext cx="521210" cy="323777"/>
+                </a:xfrm>
+                <a:prstGeom prst="rect">
+                  <a:avLst/>
+                </a:prstGeom>
+                <a:noFill/>
+              </p:spPr>
+              <p:txBody>
+                <a:bodyPr wrap="square" lIns="107287" tIns="53643" rIns="107287" bIns="53643" rtlCol="0">
+                  <a:spAutoFit/>
+                </a:bodyPr>
+                <a:lstStyle/>
+                <a:p>
+                  <a:pPr algn="ctr"/>
+                  <a:r>
+                    <a:rPr lang="en-US" sz="1400" dirty="0" smtClean="0"/>
+                    <a:t>0</a:t>
+                  </a:r>
+                  <a:endParaRPr lang="en-US" sz="1400" dirty="0"/>
+                </a:p>
+              </p:txBody>
+            </p:sp>
+          </p:grpSp>
+        </p:grpSp>
+        <p:grpSp>
+          <p:nvGrpSpPr>
+            <p:cNvPr id="138" name="Group 137"/>
+            <p:cNvGrpSpPr/>
+            <p:nvPr/>
+          </p:nvGrpSpPr>
+          <p:grpSpPr>
+            <a:xfrm>
+              <a:off x="2086625" y="6171308"/>
+              <a:ext cx="3105857" cy="354555"/>
+              <a:chOff x="2086625" y="6171308"/>
+              <a:chExt cx="3105857" cy="354555"/>
+            </a:xfrm>
+          </p:grpSpPr>
+          <p:sp>
+            <p:nvSpPr>
+              <p:cNvPr id="139" name="TextBox 138"/>
+              <p:cNvSpPr txBox="1"/>
+              <p:nvPr/>
+            </p:nvSpPr>
+            <p:spPr>
+              <a:xfrm>
+                <a:off x="2086625" y="6171308"/>
+                <a:ext cx="1503650" cy="354555"/>
+              </a:xfrm>
+              <a:prstGeom prst="rect">
+                <a:avLst/>
+              </a:prstGeom>
+              <a:noFill/>
+            </p:spPr>
+            <p:txBody>
+              <a:bodyPr wrap="square" lIns="107287" tIns="53643" rIns="107287" bIns="53643" rtlCol="0">
+                <a:spAutoFit/>
+              </a:bodyPr>
+              <a:lstStyle/>
+              <a:p>
+                <a:pPr algn="ctr"/>
+                <a:r>
+                  <a:rPr lang="en-US" sz="1600" dirty="0" smtClean="0"/>
+                  <a:t>parameter </a:t>
+                </a:r>
+                <a:r>
+                  <a:rPr lang="el-GR" sz="1600" dirty="0" smtClean="0"/>
+                  <a:t>α</a:t>
+                </a:r>
+                <a:r>
+                  <a:rPr lang="en-GB" sz="1600" baseline="-25000" dirty="0" smtClean="0"/>
+                  <a:t>R</a:t>
+                </a:r>
+                <a:endParaRPr lang="en-US" sz="1600" baseline="-25000" dirty="0"/>
+              </a:p>
+            </p:txBody>
+          </p:sp>
+          <p:sp>
+            <p:nvSpPr>
+              <p:cNvPr id="140" name="TextBox 139"/>
+              <p:cNvSpPr txBox="1"/>
+              <p:nvPr/>
+            </p:nvSpPr>
+            <p:spPr>
+              <a:xfrm>
+                <a:off x="3688832" y="6171308"/>
+                <a:ext cx="1503650" cy="354555"/>
+              </a:xfrm>
+              <a:prstGeom prst="rect">
+                <a:avLst/>
+              </a:prstGeom>
+              <a:noFill/>
+            </p:spPr>
+            <p:txBody>
+              <a:bodyPr wrap="square" lIns="107287" tIns="53643" rIns="107287" bIns="53643" rtlCol="0">
+                <a:spAutoFit/>
+              </a:bodyPr>
+              <a:lstStyle/>
+              <a:p>
+                <a:pPr algn="ctr"/>
+                <a:r>
+                  <a:rPr lang="en-US" sz="1600" dirty="0" smtClean="0"/>
+                  <a:t>parameter </a:t>
+                </a:r>
+                <a:r>
+                  <a:rPr lang="el-GR" sz="1600" dirty="0" smtClean="0"/>
+                  <a:t>α</a:t>
+                </a:r>
+                <a:r>
+                  <a:rPr lang="en-GB" sz="1600" baseline="-25000" dirty="0" smtClean="0"/>
+                  <a:t>R</a:t>
+                </a:r>
+                <a:endParaRPr lang="en-US" sz="1600" baseline="-25000" dirty="0"/>
+              </a:p>
+            </p:txBody>
+          </p:sp>
+        </p:grpSp>
+      </p:grpSp>
+      <p:grpSp>
+        <p:nvGrpSpPr>
+          <p:cNvPr id="173" name="Group 172"/>
+          <p:cNvGrpSpPr/>
           <p:nvPr/>
-        </p:nvSpPr>
-        <p:spPr>
+        </p:nvGrpSpPr>
+        <p:grpSpPr>
           <a:xfrm>
-            <a:off x="3476427" y="5976424"/>
-            <a:ext cx="375663" cy="323777"/>
+            <a:off x="854828" y="6542132"/>
+            <a:ext cx="4306498" cy="2979651"/>
+            <a:chOff x="854828" y="6542132"/>
+            <a:chExt cx="4306498" cy="2979651"/>
           </a:xfrm>
-          <a:prstGeom prst="rect">
-            <a:avLst/>
-          </a:prstGeom>
-          <a:noFill/>
-        </p:spPr>
-        <p:txBody>
-          <a:bodyPr wrap="square" lIns="107287" tIns="53643" rIns="107287" bIns="53643" rtlCol="0">
-            <a:spAutoFit/>
-          </a:bodyPr>
-          <a:lstStyle/>
-          <a:p>
-            <a:pPr algn="ctr"/>
-            <a:r>
-              <a:rPr lang="en-US" sz="1400" dirty="0"/>
-              <a:t>1</a:t>
-            </a:r>
-          </a:p>
-        </p:txBody>
-      </p:sp>
-      <p:sp>
-        <p:nvSpPr>
-          <p:cNvPr id="31" name="TextBox 30"/>
-          <p:cNvSpPr txBox="1"/>
-          <p:nvPr/>
-        </p:nvSpPr>
-        <p:spPr>
-          <a:xfrm>
-            <a:off x="2656008" y="5976424"/>
-            <a:ext cx="595797" cy="323777"/>
-          </a:xfrm>
-          <a:prstGeom prst="rect">
-            <a:avLst/>
-          </a:prstGeom>
-          <a:noFill/>
-        </p:spPr>
-        <p:txBody>
-          <a:bodyPr wrap="square" lIns="107287" tIns="53643" rIns="107287" bIns="53643" rtlCol="0">
-            <a:spAutoFit/>
-          </a:bodyPr>
-          <a:lstStyle/>
-          <a:p>
-            <a:pPr algn="ctr"/>
-            <a:r>
-              <a:rPr lang="en-US" sz="1400" dirty="0" smtClean="0"/>
-              <a:t>0.5</a:t>
-            </a:r>
-            <a:endParaRPr lang="en-US" sz="1400" dirty="0"/>
-          </a:p>
-        </p:txBody>
-      </p:sp>
-      <p:sp>
-        <p:nvSpPr>
-          <p:cNvPr id="32" name="TextBox 31"/>
-          <p:cNvSpPr txBox="1"/>
-          <p:nvPr/>
-        </p:nvSpPr>
-        <p:spPr>
-          <a:xfrm>
-            <a:off x="2080275" y="5976424"/>
-            <a:ext cx="375663" cy="323777"/>
-          </a:xfrm>
-          <a:prstGeom prst="rect">
-            <a:avLst/>
-          </a:prstGeom>
-          <a:noFill/>
-        </p:spPr>
-        <p:txBody>
-          <a:bodyPr wrap="square" lIns="107287" tIns="53643" rIns="107287" bIns="53643" rtlCol="0">
-            <a:spAutoFit/>
-          </a:bodyPr>
-          <a:lstStyle/>
-          <a:p>
-            <a:r>
-              <a:rPr lang="en-US" sz="1400" dirty="0" smtClean="0"/>
-              <a:t>0</a:t>
-            </a:r>
-            <a:endParaRPr lang="en-US" sz="1400" dirty="0"/>
-          </a:p>
-        </p:txBody>
-      </p:sp>
-      <p:sp>
-        <p:nvSpPr>
-          <p:cNvPr id="38" name="TextBox 37"/>
-          <p:cNvSpPr txBox="1"/>
-          <p:nvPr/>
-        </p:nvSpPr>
-        <p:spPr>
-          <a:xfrm>
-            <a:off x="5233241" y="8941598"/>
-            <a:ext cx="375663" cy="323777"/>
-          </a:xfrm>
-          <a:prstGeom prst="rect">
-            <a:avLst/>
-          </a:prstGeom>
-          <a:noFill/>
-        </p:spPr>
-        <p:txBody>
-          <a:bodyPr wrap="square" lIns="107287" tIns="53643" rIns="107287" bIns="53643" rtlCol="0">
-            <a:spAutoFit/>
-          </a:bodyPr>
-          <a:lstStyle/>
-          <a:p>
-            <a:r>
-              <a:rPr lang="en-US" sz="1400" dirty="0" smtClean="0"/>
-              <a:t>4</a:t>
-            </a:r>
-            <a:endParaRPr lang="en-US" sz="1400" dirty="0"/>
-          </a:p>
-        </p:txBody>
-      </p:sp>
-      <p:sp>
-        <p:nvSpPr>
-          <p:cNvPr id="39" name="TextBox 38"/>
-          <p:cNvSpPr txBox="1"/>
-          <p:nvPr/>
-        </p:nvSpPr>
-        <p:spPr>
-          <a:xfrm>
-            <a:off x="4977779" y="4328017"/>
-            <a:ext cx="409030" cy="354555"/>
-          </a:xfrm>
-          <a:prstGeom prst="rect">
-            <a:avLst/>
-          </a:prstGeom>
-          <a:noFill/>
-        </p:spPr>
-        <p:txBody>
-          <a:bodyPr wrap="none" lIns="107287" tIns="53643" rIns="107287" bIns="53643" rtlCol="0">
-            <a:spAutoFit/>
-          </a:bodyPr>
-          <a:lstStyle/>
-          <a:p>
-            <a:r>
-              <a:rPr lang="el-GR" sz="1600" dirty="0" smtClean="0"/>
-              <a:t>α</a:t>
-            </a:r>
-            <a:r>
-              <a:rPr lang="en-US" sz="1600" baseline="-25000" dirty="0" smtClean="0"/>
-              <a:t>R</a:t>
-            </a:r>
-            <a:endParaRPr lang="en-US" sz="1600" baseline="-25000" dirty="0"/>
-          </a:p>
-        </p:txBody>
-      </p:sp>
-      <p:sp>
-        <p:nvSpPr>
-          <p:cNvPr id="40" name="TextBox 39"/>
-          <p:cNvSpPr txBox="1"/>
-          <p:nvPr/>
-        </p:nvSpPr>
-        <p:spPr>
-          <a:xfrm>
-            <a:off x="4233817" y="4328017"/>
-            <a:ext cx="450040" cy="354555"/>
-          </a:xfrm>
-          <a:prstGeom prst="rect">
-            <a:avLst/>
-          </a:prstGeom>
-          <a:noFill/>
-        </p:spPr>
-        <p:txBody>
-          <a:bodyPr wrap="none" lIns="107287" tIns="53643" rIns="107287" bIns="53643" rtlCol="0">
-            <a:spAutoFit/>
-          </a:bodyPr>
-          <a:lstStyle/>
-          <a:p>
-            <a:r>
-              <a:rPr lang="el-GR" sz="1600" dirty="0" smtClean="0"/>
-              <a:t>α</a:t>
-            </a:r>
-            <a:r>
-              <a:rPr lang="en-US" sz="1600" baseline="-25000" dirty="0" smtClean="0"/>
-              <a:t>M</a:t>
-            </a:r>
-            <a:endParaRPr lang="en-US" sz="1600" baseline="-25000" dirty="0"/>
-          </a:p>
-        </p:txBody>
-      </p:sp>
-      <p:sp>
-        <p:nvSpPr>
-          <p:cNvPr id="41" name="TextBox 40"/>
-          <p:cNvSpPr txBox="1"/>
-          <p:nvPr/>
-        </p:nvSpPr>
-        <p:spPr>
-          <a:xfrm>
-            <a:off x="3100104" y="4328017"/>
-            <a:ext cx="409030" cy="354555"/>
-          </a:xfrm>
-          <a:prstGeom prst="rect">
-            <a:avLst/>
-          </a:prstGeom>
-          <a:noFill/>
-        </p:spPr>
-        <p:txBody>
-          <a:bodyPr wrap="none" lIns="107287" tIns="53643" rIns="107287" bIns="53643" rtlCol="0">
-            <a:spAutoFit/>
-          </a:bodyPr>
-          <a:lstStyle/>
-          <a:p>
-            <a:r>
-              <a:rPr lang="el-GR" sz="1600" dirty="0" smtClean="0"/>
-              <a:t>α</a:t>
-            </a:r>
-            <a:r>
-              <a:rPr lang="en-US" sz="1600" baseline="-25000" dirty="0" smtClean="0"/>
-              <a:t>R</a:t>
-            </a:r>
-            <a:endParaRPr lang="en-US" sz="1600" baseline="-25000" dirty="0"/>
-          </a:p>
-        </p:txBody>
-      </p:sp>
-      <p:sp>
-        <p:nvSpPr>
-          <p:cNvPr id="42" name="TextBox 41"/>
-          <p:cNvSpPr txBox="1"/>
-          <p:nvPr/>
-        </p:nvSpPr>
-        <p:spPr>
-          <a:xfrm>
-            <a:off x="2356142" y="4328017"/>
-            <a:ext cx="450040" cy="354555"/>
-          </a:xfrm>
-          <a:prstGeom prst="rect">
-            <a:avLst/>
-          </a:prstGeom>
-          <a:noFill/>
-        </p:spPr>
-        <p:txBody>
-          <a:bodyPr wrap="none" lIns="107287" tIns="53643" rIns="107287" bIns="53643" rtlCol="0">
-            <a:spAutoFit/>
-          </a:bodyPr>
-          <a:lstStyle/>
-          <a:p>
-            <a:r>
-              <a:rPr lang="el-GR" sz="1600" dirty="0" smtClean="0"/>
-              <a:t>α</a:t>
-            </a:r>
-            <a:r>
-              <a:rPr lang="en-US" sz="1600" baseline="-25000" dirty="0" smtClean="0"/>
-              <a:t>M</a:t>
-            </a:r>
-            <a:endParaRPr lang="en-US" sz="1600" baseline="-25000" dirty="0"/>
-          </a:p>
-        </p:txBody>
-      </p:sp>
-      <p:sp>
-        <p:nvSpPr>
-          <p:cNvPr id="43" name="TextBox 42"/>
-          <p:cNvSpPr txBox="1"/>
-          <p:nvPr/>
-        </p:nvSpPr>
-        <p:spPr>
-          <a:xfrm>
-            <a:off x="5385947" y="2511604"/>
-            <a:ext cx="375663" cy="323777"/>
-          </a:xfrm>
-          <a:prstGeom prst="rect">
-            <a:avLst/>
-          </a:prstGeom>
-          <a:noFill/>
-        </p:spPr>
-        <p:txBody>
-          <a:bodyPr wrap="square" lIns="107287" tIns="53643" rIns="107287" bIns="53643" rtlCol="0">
-            <a:spAutoFit/>
-          </a:bodyPr>
-          <a:lstStyle/>
-          <a:p>
-            <a:pPr algn="ctr"/>
-            <a:r>
-              <a:rPr lang="en-US" sz="1400" dirty="0"/>
-              <a:t>1</a:t>
-            </a:r>
-          </a:p>
-        </p:txBody>
-      </p:sp>
-      <p:sp>
-        <p:nvSpPr>
-          <p:cNvPr id="44" name="TextBox 43"/>
-          <p:cNvSpPr txBox="1"/>
-          <p:nvPr/>
-        </p:nvSpPr>
-        <p:spPr>
-          <a:xfrm>
-            <a:off x="4565528" y="2511604"/>
-            <a:ext cx="595797" cy="323777"/>
-          </a:xfrm>
-          <a:prstGeom prst="rect">
-            <a:avLst/>
-          </a:prstGeom>
-          <a:noFill/>
-        </p:spPr>
-        <p:txBody>
-          <a:bodyPr wrap="square" lIns="107287" tIns="53643" rIns="107287" bIns="53643" rtlCol="0">
-            <a:spAutoFit/>
-          </a:bodyPr>
-          <a:lstStyle/>
-          <a:p>
-            <a:pPr algn="ctr"/>
-            <a:r>
-              <a:rPr lang="en-US" sz="1400" dirty="0" smtClean="0"/>
-              <a:t>0.5</a:t>
-            </a:r>
-            <a:endParaRPr lang="en-US" sz="1400" dirty="0"/>
-          </a:p>
-        </p:txBody>
-      </p:sp>
-      <p:sp>
-        <p:nvSpPr>
-          <p:cNvPr id="45" name="TextBox 44"/>
-          <p:cNvSpPr txBox="1"/>
-          <p:nvPr/>
-        </p:nvSpPr>
-        <p:spPr>
-          <a:xfrm>
-            <a:off x="3989795" y="2511604"/>
-            <a:ext cx="375663" cy="323777"/>
-          </a:xfrm>
-          <a:prstGeom prst="rect">
-            <a:avLst/>
-          </a:prstGeom>
-          <a:noFill/>
-        </p:spPr>
-        <p:txBody>
-          <a:bodyPr wrap="square" lIns="107287" tIns="53643" rIns="107287" bIns="53643" rtlCol="0">
-            <a:spAutoFit/>
-          </a:bodyPr>
-          <a:lstStyle/>
-          <a:p>
-            <a:r>
-              <a:rPr lang="en-US" sz="1400" dirty="0" smtClean="0"/>
-              <a:t>0</a:t>
-            </a:r>
-            <a:endParaRPr lang="en-US" sz="1400" dirty="0"/>
-          </a:p>
-        </p:txBody>
-      </p:sp>
-      <p:sp>
-        <p:nvSpPr>
-          <p:cNvPr id="46" name="TextBox 45"/>
-          <p:cNvSpPr txBox="1"/>
-          <p:nvPr/>
-        </p:nvSpPr>
-        <p:spPr>
-          <a:xfrm>
-            <a:off x="3476427" y="2511604"/>
-            <a:ext cx="375663" cy="323777"/>
-          </a:xfrm>
-          <a:prstGeom prst="rect">
-            <a:avLst/>
-          </a:prstGeom>
-          <a:noFill/>
-        </p:spPr>
-        <p:txBody>
-          <a:bodyPr wrap="square" lIns="107287" tIns="53643" rIns="107287" bIns="53643" rtlCol="0">
-            <a:spAutoFit/>
-          </a:bodyPr>
-          <a:lstStyle/>
-          <a:p>
-            <a:pPr algn="ctr"/>
-            <a:r>
-              <a:rPr lang="en-US" sz="1400" dirty="0"/>
-              <a:t>1</a:t>
-            </a:r>
-          </a:p>
-        </p:txBody>
-      </p:sp>
-      <p:sp>
-        <p:nvSpPr>
-          <p:cNvPr id="47" name="TextBox 46"/>
-          <p:cNvSpPr txBox="1"/>
-          <p:nvPr/>
-        </p:nvSpPr>
-        <p:spPr>
-          <a:xfrm>
-            <a:off x="2656008" y="2511604"/>
-            <a:ext cx="595797" cy="323777"/>
-          </a:xfrm>
-          <a:prstGeom prst="rect">
-            <a:avLst/>
-          </a:prstGeom>
-          <a:noFill/>
-        </p:spPr>
-        <p:txBody>
-          <a:bodyPr wrap="square" lIns="107287" tIns="53643" rIns="107287" bIns="53643" rtlCol="0">
-            <a:spAutoFit/>
-          </a:bodyPr>
-          <a:lstStyle/>
-          <a:p>
-            <a:pPr algn="ctr"/>
-            <a:r>
-              <a:rPr lang="en-US" sz="1400" dirty="0" smtClean="0"/>
-              <a:t>0.5</a:t>
-            </a:r>
-            <a:endParaRPr lang="en-US" sz="1400" dirty="0"/>
-          </a:p>
-        </p:txBody>
-      </p:sp>
-      <p:sp>
-        <p:nvSpPr>
-          <p:cNvPr id="48" name="TextBox 47"/>
-          <p:cNvSpPr txBox="1"/>
-          <p:nvPr/>
-        </p:nvSpPr>
-        <p:spPr>
-          <a:xfrm>
-            <a:off x="2080275" y="2511604"/>
-            <a:ext cx="375663" cy="323777"/>
-          </a:xfrm>
-          <a:prstGeom prst="rect">
-            <a:avLst/>
-          </a:prstGeom>
-          <a:noFill/>
-        </p:spPr>
-        <p:txBody>
-          <a:bodyPr wrap="square" lIns="107287" tIns="53643" rIns="107287" bIns="53643" rtlCol="0">
-            <a:spAutoFit/>
-          </a:bodyPr>
-          <a:lstStyle/>
-          <a:p>
-            <a:r>
-              <a:rPr lang="en-US" sz="1400" dirty="0" smtClean="0"/>
-              <a:t>0</a:t>
-            </a:r>
-            <a:endParaRPr lang="en-US" sz="1400" dirty="0"/>
-          </a:p>
-        </p:txBody>
-      </p:sp>
-      <p:sp>
-        <p:nvSpPr>
-          <p:cNvPr id="49" name="TextBox 48"/>
-          <p:cNvSpPr txBox="1"/>
-          <p:nvPr/>
-        </p:nvSpPr>
-        <p:spPr>
-          <a:xfrm>
-            <a:off x="4874511" y="8941598"/>
-            <a:ext cx="375663" cy="323777"/>
-          </a:xfrm>
-          <a:prstGeom prst="rect">
-            <a:avLst/>
-          </a:prstGeom>
-          <a:noFill/>
-        </p:spPr>
-        <p:txBody>
-          <a:bodyPr wrap="square" lIns="107287" tIns="53643" rIns="107287" bIns="53643" rtlCol="0">
-            <a:spAutoFit/>
-          </a:bodyPr>
-          <a:lstStyle/>
-          <a:p>
-            <a:r>
-              <a:rPr lang="en-US" sz="1400" dirty="0" smtClean="0"/>
-              <a:t>3</a:t>
-            </a:r>
-            <a:endParaRPr lang="en-US" sz="1400" dirty="0"/>
-          </a:p>
-        </p:txBody>
-      </p:sp>
-      <p:sp>
-        <p:nvSpPr>
-          <p:cNvPr id="50" name="TextBox 49"/>
-          <p:cNvSpPr txBox="1"/>
-          <p:nvPr/>
-        </p:nvSpPr>
-        <p:spPr>
-          <a:xfrm>
-            <a:off x="4512214" y="8941598"/>
-            <a:ext cx="375663" cy="323777"/>
-          </a:xfrm>
-          <a:prstGeom prst="rect">
-            <a:avLst/>
-          </a:prstGeom>
-          <a:noFill/>
-        </p:spPr>
-        <p:txBody>
-          <a:bodyPr wrap="square" lIns="107287" tIns="53643" rIns="107287" bIns="53643" rtlCol="0">
-            <a:spAutoFit/>
-          </a:bodyPr>
-          <a:lstStyle/>
-          <a:p>
-            <a:r>
-              <a:rPr lang="en-US" sz="1400" dirty="0" smtClean="0"/>
-              <a:t>2</a:t>
-            </a:r>
-            <a:endParaRPr lang="en-US" sz="1400" dirty="0"/>
-          </a:p>
-        </p:txBody>
-      </p:sp>
-      <p:sp>
-        <p:nvSpPr>
-          <p:cNvPr id="51" name="TextBox 50"/>
-          <p:cNvSpPr txBox="1"/>
-          <p:nvPr/>
-        </p:nvSpPr>
-        <p:spPr>
-          <a:xfrm>
-            <a:off x="4153485" y="8941598"/>
-            <a:ext cx="375663" cy="323777"/>
-          </a:xfrm>
-          <a:prstGeom prst="rect">
-            <a:avLst/>
-          </a:prstGeom>
-          <a:noFill/>
-        </p:spPr>
-        <p:txBody>
-          <a:bodyPr wrap="square" lIns="107287" tIns="53643" rIns="107287" bIns="53643" rtlCol="0">
-            <a:spAutoFit/>
-          </a:bodyPr>
-          <a:lstStyle/>
-          <a:p>
-            <a:r>
-              <a:rPr lang="en-US" sz="1400" dirty="0" smtClean="0"/>
-              <a:t>1</a:t>
-            </a:r>
-            <a:endParaRPr lang="en-US" sz="1400" dirty="0"/>
-          </a:p>
-        </p:txBody>
-      </p:sp>
-      <p:sp>
-        <p:nvSpPr>
-          <p:cNvPr id="52" name="TextBox 51"/>
-          <p:cNvSpPr txBox="1"/>
-          <p:nvPr/>
-        </p:nvSpPr>
-        <p:spPr>
-          <a:xfrm>
-            <a:off x="3330928" y="8941598"/>
-            <a:ext cx="375663" cy="323777"/>
-          </a:xfrm>
-          <a:prstGeom prst="rect">
-            <a:avLst/>
-          </a:prstGeom>
-          <a:noFill/>
-        </p:spPr>
-        <p:txBody>
-          <a:bodyPr wrap="square" lIns="107287" tIns="53643" rIns="107287" bIns="53643" rtlCol="0">
-            <a:spAutoFit/>
-          </a:bodyPr>
-          <a:lstStyle/>
-          <a:p>
-            <a:r>
-              <a:rPr lang="en-US" sz="1400" dirty="0" smtClean="0"/>
-              <a:t>4</a:t>
-            </a:r>
-            <a:endParaRPr lang="en-US" sz="1400" dirty="0"/>
-          </a:p>
-        </p:txBody>
-      </p:sp>
-      <p:sp>
-        <p:nvSpPr>
-          <p:cNvPr id="53" name="TextBox 52"/>
-          <p:cNvSpPr txBox="1"/>
-          <p:nvPr/>
-        </p:nvSpPr>
-        <p:spPr>
-          <a:xfrm>
-            <a:off x="2972199" y="8941598"/>
-            <a:ext cx="375663" cy="323777"/>
-          </a:xfrm>
-          <a:prstGeom prst="rect">
-            <a:avLst/>
-          </a:prstGeom>
-          <a:noFill/>
-        </p:spPr>
-        <p:txBody>
-          <a:bodyPr wrap="square" lIns="107287" tIns="53643" rIns="107287" bIns="53643" rtlCol="0">
-            <a:spAutoFit/>
-          </a:bodyPr>
-          <a:lstStyle/>
-          <a:p>
-            <a:r>
-              <a:rPr lang="en-US" sz="1400" dirty="0" smtClean="0"/>
-              <a:t>3</a:t>
-            </a:r>
-            <a:endParaRPr lang="en-US" sz="1400" dirty="0"/>
-          </a:p>
-        </p:txBody>
-      </p:sp>
-      <p:sp>
-        <p:nvSpPr>
-          <p:cNvPr id="54" name="TextBox 53"/>
-          <p:cNvSpPr txBox="1"/>
-          <p:nvPr/>
-        </p:nvSpPr>
-        <p:spPr>
-          <a:xfrm>
-            <a:off x="2609902" y="8941598"/>
-            <a:ext cx="375663" cy="323777"/>
-          </a:xfrm>
-          <a:prstGeom prst="rect">
-            <a:avLst/>
-          </a:prstGeom>
-          <a:noFill/>
-        </p:spPr>
-        <p:txBody>
-          <a:bodyPr wrap="square" lIns="107287" tIns="53643" rIns="107287" bIns="53643" rtlCol="0">
-            <a:spAutoFit/>
-          </a:bodyPr>
-          <a:lstStyle/>
-          <a:p>
-            <a:r>
-              <a:rPr lang="en-US" sz="1400" dirty="0" smtClean="0"/>
-              <a:t>2</a:t>
-            </a:r>
-            <a:endParaRPr lang="en-US" sz="1400" dirty="0"/>
-          </a:p>
-        </p:txBody>
-      </p:sp>
-      <p:sp>
-        <p:nvSpPr>
-          <p:cNvPr id="55" name="TextBox 54"/>
-          <p:cNvSpPr txBox="1"/>
-          <p:nvPr/>
-        </p:nvSpPr>
-        <p:spPr>
-          <a:xfrm>
-            <a:off x="2251173" y="8941598"/>
-            <a:ext cx="375663" cy="323777"/>
-          </a:xfrm>
-          <a:prstGeom prst="rect">
-            <a:avLst/>
-          </a:prstGeom>
-          <a:noFill/>
-        </p:spPr>
-        <p:txBody>
-          <a:bodyPr wrap="square" lIns="107287" tIns="53643" rIns="107287" bIns="53643" rtlCol="0">
-            <a:spAutoFit/>
-          </a:bodyPr>
-          <a:lstStyle/>
-          <a:p>
-            <a:r>
-              <a:rPr lang="en-US" sz="1400" dirty="0" smtClean="0"/>
-              <a:t>1</a:t>
-            </a:r>
-            <a:endParaRPr lang="en-US" sz="1400" dirty="0"/>
-          </a:p>
-        </p:txBody>
-      </p:sp>
-      <p:sp>
-        <p:nvSpPr>
-          <p:cNvPr id="56" name="TextBox 55"/>
-          <p:cNvSpPr txBox="1"/>
-          <p:nvPr/>
-        </p:nvSpPr>
-        <p:spPr>
-          <a:xfrm>
-            <a:off x="5233241" y="7694176"/>
-            <a:ext cx="375663" cy="323777"/>
-          </a:xfrm>
-          <a:prstGeom prst="rect">
-            <a:avLst/>
-          </a:prstGeom>
-          <a:noFill/>
-        </p:spPr>
-        <p:txBody>
-          <a:bodyPr wrap="square" lIns="107287" tIns="53643" rIns="107287" bIns="53643" rtlCol="0">
-            <a:spAutoFit/>
-          </a:bodyPr>
-          <a:lstStyle/>
-          <a:p>
-            <a:r>
-              <a:rPr lang="en-US" sz="1400" dirty="0" smtClean="0"/>
-              <a:t>4</a:t>
-            </a:r>
-            <a:endParaRPr lang="en-US" sz="1400" dirty="0"/>
-          </a:p>
-        </p:txBody>
-      </p:sp>
-      <p:sp>
-        <p:nvSpPr>
-          <p:cNvPr id="57" name="TextBox 56"/>
-          <p:cNvSpPr txBox="1"/>
-          <p:nvPr/>
-        </p:nvSpPr>
-        <p:spPr>
-          <a:xfrm>
-            <a:off x="4874511" y="7694176"/>
-            <a:ext cx="375663" cy="323777"/>
-          </a:xfrm>
-          <a:prstGeom prst="rect">
-            <a:avLst/>
-          </a:prstGeom>
-          <a:noFill/>
-        </p:spPr>
-        <p:txBody>
-          <a:bodyPr wrap="square" lIns="107287" tIns="53643" rIns="107287" bIns="53643" rtlCol="0">
-            <a:spAutoFit/>
-          </a:bodyPr>
-          <a:lstStyle/>
-          <a:p>
-            <a:r>
-              <a:rPr lang="en-US" sz="1400" dirty="0" smtClean="0"/>
-              <a:t>3</a:t>
-            </a:r>
-            <a:endParaRPr lang="en-US" sz="1400" dirty="0"/>
-          </a:p>
-        </p:txBody>
-      </p:sp>
-      <p:sp>
-        <p:nvSpPr>
-          <p:cNvPr id="58" name="TextBox 57"/>
-          <p:cNvSpPr txBox="1"/>
-          <p:nvPr/>
-        </p:nvSpPr>
-        <p:spPr>
-          <a:xfrm>
-            <a:off x="4512214" y="7694176"/>
-            <a:ext cx="375663" cy="323777"/>
-          </a:xfrm>
-          <a:prstGeom prst="rect">
-            <a:avLst/>
-          </a:prstGeom>
-          <a:noFill/>
-        </p:spPr>
-        <p:txBody>
-          <a:bodyPr wrap="square" lIns="107287" tIns="53643" rIns="107287" bIns="53643" rtlCol="0">
-            <a:spAutoFit/>
-          </a:bodyPr>
-          <a:lstStyle/>
-          <a:p>
-            <a:r>
-              <a:rPr lang="en-US" sz="1400" dirty="0" smtClean="0"/>
-              <a:t>2</a:t>
-            </a:r>
-            <a:endParaRPr lang="en-US" sz="1400" dirty="0"/>
-          </a:p>
-        </p:txBody>
-      </p:sp>
-      <p:sp>
-        <p:nvSpPr>
-          <p:cNvPr id="59" name="TextBox 58"/>
-          <p:cNvSpPr txBox="1"/>
-          <p:nvPr/>
-        </p:nvSpPr>
-        <p:spPr>
-          <a:xfrm>
-            <a:off x="4153485" y="7694176"/>
-            <a:ext cx="375663" cy="323777"/>
-          </a:xfrm>
-          <a:prstGeom prst="rect">
-            <a:avLst/>
-          </a:prstGeom>
-          <a:noFill/>
-        </p:spPr>
-        <p:txBody>
-          <a:bodyPr wrap="square" lIns="107287" tIns="53643" rIns="107287" bIns="53643" rtlCol="0">
-            <a:spAutoFit/>
-          </a:bodyPr>
-          <a:lstStyle/>
-          <a:p>
-            <a:r>
-              <a:rPr lang="en-US" sz="1400" dirty="0" smtClean="0"/>
-              <a:t>1</a:t>
-            </a:r>
-            <a:endParaRPr lang="en-US" sz="1400" dirty="0"/>
-          </a:p>
-        </p:txBody>
-      </p:sp>
-      <p:sp>
-        <p:nvSpPr>
-          <p:cNvPr id="60" name="TextBox 59"/>
-          <p:cNvSpPr txBox="1"/>
-          <p:nvPr/>
-        </p:nvSpPr>
-        <p:spPr>
-          <a:xfrm>
-            <a:off x="3330928" y="7694176"/>
-            <a:ext cx="375663" cy="323777"/>
-          </a:xfrm>
-          <a:prstGeom prst="rect">
-            <a:avLst/>
-          </a:prstGeom>
-          <a:noFill/>
-        </p:spPr>
-        <p:txBody>
-          <a:bodyPr wrap="square" lIns="107287" tIns="53643" rIns="107287" bIns="53643" rtlCol="0">
-            <a:spAutoFit/>
-          </a:bodyPr>
-          <a:lstStyle/>
-          <a:p>
-            <a:r>
-              <a:rPr lang="en-US" sz="1400" dirty="0" smtClean="0"/>
-              <a:t>4</a:t>
-            </a:r>
-            <a:endParaRPr lang="en-US" sz="1400" dirty="0"/>
-          </a:p>
-        </p:txBody>
-      </p:sp>
-      <p:sp>
-        <p:nvSpPr>
-          <p:cNvPr id="61" name="TextBox 60"/>
-          <p:cNvSpPr txBox="1"/>
-          <p:nvPr/>
-        </p:nvSpPr>
-        <p:spPr>
-          <a:xfrm>
-            <a:off x="2972199" y="7694176"/>
-            <a:ext cx="375663" cy="323777"/>
-          </a:xfrm>
-          <a:prstGeom prst="rect">
-            <a:avLst/>
-          </a:prstGeom>
-          <a:noFill/>
-        </p:spPr>
-        <p:txBody>
-          <a:bodyPr wrap="square" lIns="107287" tIns="53643" rIns="107287" bIns="53643" rtlCol="0">
-            <a:spAutoFit/>
-          </a:bodyPr>
-          <a:lstStyle/>
-          <a:p>
-            <a:r>
-              <a:rPr lang="en-US" sz="1400" dirty="0" smtClean="0"/>
-              <a:t>3</a:t>
-            </a:r>
-            <a:endParaRPr lang="en-US" sz="1400" dirty="0"/>
-          </a:p>
-        </p:txBody>
-      </p:sp>
-      <p:sp>
-        <p:nvSpPr>
-          <p:cNvPr id="62" name="TextBox 61"/>
-          <p:cNvSpPr txBox="1"/>
-          <p:nvPr/>
-        </p:nvSpPr>
-        <p:spPr>
-          <a:xfrm>
-            <a:off x="2609902" y="7694176"/>
-            <a:ext cx="375663" cy="323777"/>
-          </a:xfrm>
-          <a:prstGeom prst="rect">
-            <a:avLst/>
-          </a:prstGeom>
-          <a:noFill/>
-        </p:spPr>
-        <p:txBody>
-          <a:bodyPr wrap="square" lIns="107287" tIns="53643" rIns="107287" bIns="53643" rtlCol="0">
-            <a:spAutoFit/>
-          </a:bodyPr>
-          <a:lstStyle/>
-          <a:p>
-            <a:r>
-              <a:rPr lang="en-US" sz="1400" dirty="0" smtClean="0"/>
-              <a:t>2</a:t>
-            </a:r>
-            <a:endParaRPr lang="en-US" sz="1400" dirty="0"/>
-          </a:p>
-        </p:txBody>
-      </p:sp>
-      <p:sp>
-        <p:nvSpPr>
-          <p:cNvPr id="63" name="TextBox 62"/>
-          <p:cNvSpPr txBox="1"/>
-          <p:nvPr/>
-        </p:nvSpPr>
-        <p:spPr>
-          <a:xfrm>
-            <a:off x="2251173" y="7694176"/>
-            <a:ext cx="375663" cy="323777"/>
-          </a:xfrm>
-          <a:prstGeom prst="rect">
-            <a:avLst/>
-          </a:prstGeom>
-          <a:noFill/>
-        </p:spPr>
-        <p:txBody>
-          <a:bodyPr wrap="square" lIns="107287" tIns="53643" rIns="107287" bIns="53643" rtlCol="0">
-            <a:spAutoFit/>
-          </a:bodyPr>
-          <a:lstStyle/>
-          <a:p>
-            <a:r>
-              <a:rPr lang="en-US" sz="1400" dirty="0" smtClean="0"/>
-              <a:t>1</a:t>
-            </a:r>
-            <a:endParaRPr lang="en-US" sz="1400" dirty="0"/>
-          </a:p>
-        </p:txBody>
-      </p:sp>
-      <p:sp>
-        <p:nvSpPr>
-          <p:cNvPr id="64" name="TextBox 63"/>
-          <p:cNvSpPr txBox="1"/>
-          <p:nvPr/>
-        </p:nvSpPr>
-        <p:spPr>
-          <a:xfrm>
-            <a:off x="1470932" y="6641388"/>
-            <a:ext cx="728080" cy="323777"/>
-          </a:xfrm>
-          <a:prstGeom prst="rect">
-            <a:avLst/>
-          </a:prstGeom>
-          <a:noFill/>
-        </p:spPr>
-        <p:txBody>
-          <a:bodyPr wrap="square" lIns="107287" tIns="53643" rIns="107287" bIns="53643" rtlCol="0">
-            <a:spAutoFit/>
-          </a:bodyPr>
-          <a:lstStyle/>
-          <a:p>
-            <a:pPr algn="r"/>
-            <a:r>
-              <a:rPr lang="en-US" sz="1400" dirty="0" smtClean="0"/>
-              <a:t>100%</a:t>
-            </a:r>
-            <a:endParaRPr lang="en-US" sz="1400" dirty="0"/>
-          </a:p>
-        </p:txBody>
-      </p:sp>
-      <p:sp>
-        <p:nvSpPr>
-          <p:cNvPr id="67" name="TextBox 66"/>
-          <p:cNvSpPr txBox="1"/>
-          <p:nvPr/>
-        </p:nvSpPr>
-        <p:spPr>
-          <a:xfrm>
-            <a:off x="1533073" y="7105584"/>
-            <a:ext cx="665940" cy="323777"/>
-          </a:xfrm>
-          <a:prstGeom prst="rect">
-            <a:avLst/>
-          </a:prstGeom>
-          <a:noFill/>
-        </p:spPr>
-        <p:txBody>
-          <a:bodyPr wrap="square" lIns="107287" tIns="53643" rIns="107287" bIns="53643" rtlCol="0">
-            <a:spAutoFit/>
-          </a:bodyPr>
-          <a:lstStyle/>
-          <a:p>
-            <a:pPr algn="r"/>
-            <a:r>
-              <a:rPr lang="en-US" sz="1400" dirty="0" smtClean="0"/>
-              <a:t>50%</a:t>
-            </a:r>
-            <a:endParaRPr lang="en-US" sz="1400" dirty="0"/>
-          </a:p>
-        </p:txBody>
-      </p:sp>
-      <p:sp>
-        <p:nvSpPr>
-          <p:cNvPr id="68" name="TextBox 67"/>
-          <p:cNvSpPr txBox="1"/>
-          <p:nvPr/>
-        </p:nvSpPr>
-        <p:spPr>
-          <a:xfrm>
-            <a:off x="1418772" y="4797380"/>
-            <a:ext cx="780240" cy="323777"/>
-          </a:xfrm>
-          <a:prstGeom prst="rect">
-            <a:avLst/>
-          </a:prstGeom>
-          <a:noFill/>
-        </p:spPr>
-        <p:txBody>
-          <a:bodyPr wrap="square" lIns="107287" tIns="53643" rIns="107287" bIns="53643" rtlCol="0">
-            <a:spAutoFit/>
-          </a:bodyPr>
-          <a:lstStyle/>
-          <a:p>
-            <a:pPr algn="r"/>
-            <a:r>
-              <a:rPr lang="en-US" sz="1400" dirty="0" smtClean="0"/>
-              <a:t>100%</a:t>
-            </a:r>
-            <a:endParaRPr lang="en-US" sz="1400" dirty="0"/>
-          </a:p>
-        </p:txBody>
-      </p:sp>
-      <p:sp>
-        <p:nvSpPr>
-          <p:cNvPr id="69" name="TextBox 68"/>
-          <p:cNvSpPr txBox="1"/>
-          <p:nvPr/>
-        </p:nvSpPr>
-        <p:spPr>
-          <a:xfrm>
-            <a:off x="1533071" y="5144778"/>
-            <a:ext cx="665940" cy="323777"/>
-          </a:xfrm>
-          <a:prstGeom prst="rect">
-            <a:avLst/>
-          </a:prstGeom>
-          <a:noFill/>
-        </p:spPr>
-        <p:txBody>
-          <a:bodyPr wrap="square" lIns="107287" tIns="53643" rIns="107287" bIns="53643" rtlCol="0">
-            <a:spAutoFit/>
-          </a:bodyPr>
-          <a:lstStyle/>
-          <a:p>
-            <a:pPr algn="r"/>
-            <a:r>
-              <a:rPr lang="en-US" sz="1400" dirty="0"/>
-              <a:t>8</a:t>
-            </a:r>
-            <a:r>
-              <a:rPr lang="en-US" sz="1400" dirty="0" smtClean="0"/>
-              <a:t>0%</a:t>
-            </a:r>
-            <a:endParaRPr lang="en-US" sz="1400" dirty="0"/>
-          </a:p>
-        </p:txBody>
-      </p:sp>
-      <p:sp>
-        <p:nvSpPr>
-          <p:cNvPr id="70" name="TextBox 69"/>
-          <p:cNvSpPr txBox="1"/>
-          <p:nvPr/>
-        </p:nvSpPr>
-        <p:spPr>
-          <a:xfrm>
-            <a:off x="1533071" y="5522691"/>
-            <a:ext cx="665940" cy="323777"/>
-          </a:xfrm>
-          <a:prstGeom prst="rect">
-            <a:avLst/>
-          </a:prstGeom>
-          <a:noFill/>
-        </p:spPr>
-        <p:txBody>
-          <a:bodyPr wrap="square" lIns="107287" tIns="53643" rIns="107287" bIns="53643" rtlCol="0">
-            <a:spAutoFit/>
-          </a:bodyPr>
-          <a:lstStyle/>
-          <a:p>
-            <a:pPr algn="r"/>
-            <a:r>
-              <a:rPr lang="en-US" sz="1400" dirty="0"/>
-              <a:t>6</a:t>
-            </a:r>
-            <a:r>
-              <a:rPr lang="en-US" sz="1400" dirty="0" smtClean="0"/>
-              <a:t>0%</a:t>
-            </a:r>
-            <a:endParaRPr lang="en-US" sz="1400" dirty="0"/>
-          </a:p>
-        </p:txBody>
-      </p:sp>
-      <p:sp>
-        <p:nvSpPr>
-          <p:cNvPr id="71" name="TextBox 70"/>
-          <p:cNvSpPr txBox="1"/>
-          <p:nvPr/>
-        </p:nvSpPr>
-        <p:spPr>
-          <a:xfrm>
-            <a:off x="1533071" y="5870089"/>
-            <a:ext cx="665940" cy="323777"/>
-          </a:xfrm>
-          <a:prstGeom prst="rect">
-            <a:avLst/>
-          </a:prstGeom>
-          <a:noFill/>
-        </p:spPr>
-        <p:txBody>
-          <a:bodyPr wrap="square" lIns="107287" tIns="53643" rIns="107287" bIns="53643" rtlCol="0">
-            <a:spAutoFit/>
-          </a:bodyPr>
-          <a:lstStyle/>
-          <a:p>
-            <a:pPr algn="r"/>
-            <a:r>
-              <a:rPr lang="en-US" sz="1400" dirty="0" smtClean="0"/>
-              <a:t>40%</a:t>
-            </a:r>
-            <a:endParaRPr lang="en-US" sz="1400" dirty="0"/>
-          </a:p>
-        </p:txBody>
-      </p:sp>
-      <p:sp>
-        <p:nvSpPr>
-          <p:cNvPr id="72" name="TextBox 71"/>
-          <p:cNvSpPr txBox="1"/>
-          <p:nvPr/>
-        </p:nvSpPr>
-        <p:spPr>
-          <a:xfrm>
-            <a:off x="1533071" y="7555992"/>
-            <a:ext cx="665940" cy="323777"/>
-          </a:xfrm>
-          <a:prstGeom prst="rect">
-            <a:avLst/>
-          </a:prstGeom>
-          <a:noFill/>
-        </p:spPr>
-        <p:txBody>
-          <a:bodyPr wrap="square" lIns="107287" tIns="53643" rIns="107287" bIns="53643" rtlCol="0">
-            <a:spAutoFit/>
-          </a:bodyPr>
-          <a:lstStyle/>
-          <a:p>
-            <a:pPr algn="r"/>
-            <a:r>
-              <a:rPr lang="en-US" sz="1400" dirty="0" smtClean="0"/>
-              <a:t>0%</a:t>
-            </a:r>
-            <a:endParaRPr lang="en-US" sz="1400" dirty="0"/>
-          </a:p>
-        </p:txBody>
-      </p:sp>
-      <p:sp>
-        <p:nvSpPr>
-          <p:cNvPr id="73" name="TextBox 72"/>
-          <p:cNvSpPr txBox="1"/>
-          <p:nvPr/>
-        </p:nvSpPr>
-        <p:spPr>
-          <a:xfrm>
-            <a:off x="1418772" y="1103077"/>
-            <a:ext cx="780240" cy="323777"/>
-          </a:xfrm>
-          <a:prstGeom prst="rect">
-            <a:avLst/>
-          </a:prstGeom>
-          <a:noFill/>
-        </p:spPr>
-        <p:txBody>
-          <a:bodyPr wrap="square" lIns="107287" tIns="53643" rIns="107287" bIns="53643" rtlCol="0">
-            <a:spAutoFit/>
-          </a:bodyPr>
-          <a:lstStyle/>
-          <a:p>
-            <a:pPr algn="r"/>
-            <a:r>
-              <a:rPr lang="en-US" sz="1400" dirty="0" smtClean="0"/>
-              <a:t>1.0</a:t>
-            </a:r>
-            <a:endParaRPr lang="en-US" sz="1400" dirty="0"/>
-          </a:p>
-        </p:txBody>
-      </p:sp>
-      <p:sp>
-        <p:nvSpPr>
-          <p:cNvPr id="74" name="TextBox 73"/>
-          <p:cNvSpPr txBox="1"/>
-          <p:nvPr/>
-        </p:nvSpPr>
-        <p:spPr>
-          <a:xfrm>
-            <a:off x="1533073" y="1734397"/>
-            <a:ext cx="665940" cy="323777"/>
-          </a:xfrm>
-          <a:prstGeom prst="rect">
-            <a:avLst/>
-          </a:prstGeom>
-          <a:noFill/>
-        </p:spPr>
-        <p:txBody>
-          <a:bodyPr wrap="square" lIns="107287" tIns="53643" rIns="107287" bIns="53643" rtlCol="0">
-            <a:spAutoFit/>
-          </a:bodyPr>
-          <a:lstStyle/>
-          <a:p>
-            <a:pPr algn="r"/>
-            <a:r>
-              <a:rPr lang="en-US" sz="1400" dirty="0" smtClean="0"/>
-              <a:t>0.5</a:t>
-            </a:r>
-            <a:endParaRPr lang="en-US" sz="1400" dirty="0"/>
-          </a:p>
-        </p:txBody>
-      </p:sp>
-      <p:sp>
-        <p:nvSpPr>
-          <p:cNvPr id="75" name="TextBox 74"/>
-          <p:cNvSpPr txBox="1"/>
-          <p:nvPr/>
-        </p:nvSpPr>
-        <p:spPr>
-          <a:xfrm>
-            <a:off x="1533071" y="2385639"/>
-            <a:ext cx="665940" cy="323777"/>
-          </a:xfrm>
-          <a:prstGeom prst="rect">
-            <a:avLst/>
-          </a:prstGeom>
-          <a:noFill/>
-        </p:spPr>
-        <p:txBody>
-          <a:bodyPr wrap="square" lIns="107287" tIns="53643" rIns="107287" bIns="53643" rtlCol="0">
-            <a:spAutoFit/>
-          </a:bodyPr>
-          <a:lstStyle/>
-          <a:p>
-            <a:pPr algn="r"/>
-            <a:r>
-              <a:rPr lang="en-US" sz="1400" dirty="0" smtClean="0"/>
-              <a:t>0.0</a:t>
-            </a:r>
-            <a:endParaRPr lang="en-US" sz="1400" dirty="0"/>
-          </a:p>
-        </p:txBody>
-      </p:sp>
-      <p:sp>
-        <p:nvSpPr>
-          <p:cNvPr id="76" name="TextBox 75"/>
-          <p:cNvSpPr txBox="1"/>
-          <p:nvPr/>
-        </p:nvSpPr>
-        <p:spPr>
-          <a:xfrm>
-            <a:off x="1470932" y="7899729"/>
-            <a:ext cx="728080" cy="323777"/>
-          </a:xfrm>
-          <a:prstGeom prst="rect">
-            <a:avLst/>
-          </a:prstGeom>
-          <a:noFill/>
-        </p:spPr>
-        <p:txBody>
-          <a:bodyPr wrap="square" lIns="107287" tIns="53643" rIns="107287" bIns="53643" rtlCol="0">
-            <a:spAutoFit/>
-          </a:bodyPr>
-          <a:lstStyle/>
-          <a:p>
-            <a:pPr algn="r"/>
-            <a:r>
-              <a:rPr lang="en-US" sz="1400" dirty="0" smtClean="0"/>
-              <a:t>100%</a:t>
-            </a:r>
-            <a:endParaRPr lang="en-US" sz="1400" dirty="0"/>
-          </a:p>
-        </p:txBody>
-      </p:sp>
-      <p:sp>
-        <p:nvSpPr>
-          <p:cNvPr id="77" name="TextBox 76"/>
-          <p:cNvSpPr txBox="1"/>
-          <p:nvPr/>
-        </p:nvSpPr>
-        <p:spPr>
-          <a:xfrm>
-            <a:off x="1533073" y="8363926"/>
-            <a:ext cx="665940" cy="323777"/>
-          </a:xfrm>
-          <a:prstGeom prst="rect">
-            <a:avLst/>
-          </a:prstGeom>
-          <a:noFill/>
-        </p:spPr>
-        <p:txBody>
-          <a:bodyPr wrap="square" lIns="107287" tIns="53643" rIns="107287" bIns="53643" rtlCol="0">
-            <a:spAutoFit/>
-          </a:bodyPr>
-          <a:lstStyle/>
-          <a:p>
-            <a:pPr algn="r"/>
-            <a:r>
-              <a:rPr lang="en-US" sz="1400" dirty="0" smtClean="0"/>
-              <a:t>50%</a:t>
-            </a:r>
-            <a:endParaRPr lang="en-US" sz="1400" dirty="0"/>
-          </a:p>
-        </p:txBody>
-      </p:sp>
-      <p:sp>
-        <p:nvSpPr>
-          <p:cNvPr id="78" name="TextBox 77"/>
-          <p:cNvSpPr txBox="1"/>
-          <p:nvPr/>
-        </p:nvSpPr>
-        <p:spPr>
-          <a:xfrm>
-            <a:off x="1533071" y="8814333"/>
-            <a:ext cx="665940" cy="323777"/>
-          </a:xfrm>
-          <a:prstGeom prst="rect">
-            <a:avLst/>
-          </a:prstGeom>
-          <a:noFill/>
-        </p:spPr>
-        <p:txBody>
-          <a:bodyPr wrap="square" lIns="107287" tIns="53643" rIns="107287" bIns="53643" rtlCol="0">
-            <a:spAutoFit/>
-          </a:bodyPr>
-          <a:lstStyle/>
-          <a:p>
-            <a:pPr algn="r"/>
-            <a:r>
-              <a:rPr lang="en-US" sz="1400" dirty="0" smtClean="0"/>
-              <a:t>0%</a:t>
-            </a:r>
-            <a:endParaRPr lang="en-US" sz="1400" dirty="0"/>
-          </a:p>
-        </p:txBody>
-      </p:sp>
-      <p:sp>
-        <p:nvSpPr>
-          <p:cNvPr id="81" name="TextBox 80"/>
-          <p:cNvSpPr txBox="1"/>
-          <p:nvPr/>
-        </p:nvSpPr>
-        <p:spPr>
-          <a:xfrm>
-            <a:off x="4440657" y="9167228"/>
-            <a:ext cx="825811" cy="354555"/>
-          </a:xfrm>
-          <a:prstGeom prst="rect">
-            <a:avLst/>
-          </a:prstGeom>
-          <a:noFill/>
-        </p:spPr>
-        <p:txBody>
-          <a:bodyPr wrap="none" lIns="107287" tIns="53643" rIns="107287" bIns="53643" rtlCol="0">
-            <a:spAutoFit/>
-          </a:bodyPr>
-          <a:lstStyle/>
-          <a:p>
-            <a:pPr algn="ctr"/>
-            <a:r>
-              <a:rPr lang="en-GB" sz="1600" dirty="0" smtClean="0"/>
-              <a:t># times</a:t>
-            </a:r>
-            <a:endParaRPr lang="en-US" sz="1600" baseline="-25000" dirty="0"/>
-          </a:p>
-        </p:txBody>
-      </p:sp>
-      <p:sp>
-        <p:nvSpPr>
-          <p:cNvPr id="82" name="TextBox 81"/>
-          <p:cNvSpPr txBox="1"/>
-          <p:nvPr/>
-        </p:nvSpPr>
-        <p:spPr>
-          <a:xfrm>
-            <a:off x="2486185" y="9167228"/>
-            <a:ext cx="825811" cy="354555"/>
-          </a:xfrm>
-          <a:prstGeom prst="rect">
-            <a:avLst/>
-          </a:prstGeom>
-          <a:noFill/>
-        </p:spPr>
-        <p:txBody>
-          <a:bodyPr wrap="none" lIns="107287" tIns="53643" rIns="107287" bIns="53643" rtlCol="0">
-            <a:spAutoFit/>
-          </a:bodyPr>
-          <a:lstStyle/>
-          <a:p>
-            <a:pPr algn="ctr"/>
-            <a:r>
-              <a:rPr lang="en-GB" sz="1600" dirty="0" smtClean="0"/>
-              <a:t># times</a:t>
-            </a:r>
-            <a:endParaRPr lang="en-US" sz="1600" baseline="-25000" dirty="0"/>
-          </a:p>
-        </p:txBody>
-      </p:sp>
-      <p:sp>
-        <p:nvSpPr>
-          <p:cNvPr id="85" name="TextBox 84"/>
-          <p:cNvSpPr txBox="1"/>
-          <p:nvPr/>
-        </p:nvSpPr>
-        <p:spPr>
-          <a:xfrm>
-            <a:off x="4153485" y="2722609"/>
-            <a:ext cx="1373169" cy="354555"/>
-          </a:xfrm>
-          <a:prstGeom prst="rect">
-            <a:avLst/>
-          </a:prstGeom>
-          <a:noFill/>
-        </p:spPr>
-        <p:txBody>
-          <a:bodyPr wrap="none" lIns="107287" tIns="53643" rIns="107287" bIns="53643" rtlCol="0">
-            <a:spAutoFit/>
-          </a:bodyPr>
-          <a:lstStyle/>
-          <a:p>
-            <a:r>
-              <a:rPr lang="en-US" sz="1600" dirty="0" smtClean="0"/>
-              <a:t>parameter </a:t>
-            </a:r>
-            <a:r>
-              <a:rPr lang="el-GR" sz="1600" dirty="0" smtClean="0"/>
-              <a:t>α</a:t>
-            </a:r>
-            <a:r>
-              <a:rPr lang="en-GB" sz="1600" baseline="-25000" dirty="0" smtClean="0"/>
-              <a:t>M</a:t>
-            </a:r>
-            <a:endParaRPr lang="en-US" sz="1600" baseline="-25000" dirty="0"/>
-          </a:p>
-        </p:txBody>
-      </p:sp>
-      <p:sp>
-        <p:nvSpPr>
-          <p:cNvPr id="86" name="TextBox 85"/>
-          <p:cNvSpPr txBox="1"/>
-          <p:nvPr/>
-        </p:nvSpPr>
-        <p:spPr>
-          <a:xfrm>
-            <a:off x="2199013" y="2722609"/>
-            <a:ext cx="1373169" cy="354555"/>
-          </a:xfrm>
-          <a:prstGeom prst="rect">
-            <a:avLst/>
-          </a:prstGeom>
-          <a:noFill/>
-        </p:spPr>
-        <p:txBody>
-          <a:bodyPr wrap="none" lIns="107287" tIns="53643" rIns="107287" bIns="53643" rtlCol="0">
-            <a:spAutoFit/>
-          </a:bodyPr>
-          <a:lstStyle/>
-          <a:p>
-            <a:r>
-              <a:rPr lang="en-US" sz="1600" dirty="0" smtClean="0"/>
-              <a:t>parameter </a:t>
-            </a:r>
-            <a:r>
-              <a:rPr lang="el-GR" sz="1600" dirty="0" smtClean="0"/>
-              <a:t>α</a:t>
-            </a:r>
-            <a:r>
-              <a:rPr lang="en-GB" sz="1600" baseline="-25000" dirty="0" smtClean="0"/>
-              <a:t>M</a:t>
-            </a:r>
-            <a:endParaRPr lang="en-US" sz="1600" baseline="-25000" dirty="0"/>
-          </a:p>
-        </p:txBody>
-      </p:sp>
-      <p:sp>
-        <p:nvSpPr>
-          <p:cNvPr id="87" name="TextBox 86"/>
-          <p:cNvSpPr txBox="1"/>
-          <p:nvPr/>
-        </p:nvSpPr>
-        <p:spPr>
-          <a:xfrm rot="16200000">
-            <a:off x="1046091" y="8471237"/>
-            <a:ext cx="973988" cy="354555"/>
-          </a:xfrm>
-          <a:prstGeom prst="rect">
-            <a:avLst/>
-          </a:prstGeom>
-          <a:noFill/>
-        </p:spPr>
-        <p:txBody>
-          <a:bodyPr wrap="none" lIns="107287" tIns="53643" rIns="107287" bIns="53643" rtlCol="0">
-            <a:spAutoFit/>
-          </a:bodyPr>
-          <a:lstStyle/>
-          <a:p>
-            <a:r>
-              <a:rPr lang="en-GB" sz="1600" dirty="0" smtClean="0"/>
-              <a:t>response</a:t>
-            </a:r>
-            <a:endParaRPr lang="en-US" sz="1600" baseline="-25000" dirty="0"/>
-          </a:p>
-        </p:txBody>
-      </p:sp>
-      <p:sp>
-        <p:nvSpPr>
-          <p:cNvPr id="88" name="TextBox 87"/>
-          <p:cNvSpPr txBox="1"/>
-          <p:nvPr/>
-        </p:nvSpPr>
-        <p:spPr>
-          <a:xfrm>
-            <a:off x="1418772" y="3178804"/>
-            <a:ext cx="780240" cy="323777"/>
-          </a:xfrm>
-          <a:prstGeom prst="rect">
-            <a:avLst/>
-          </a:prstGeom>
-          <a:noFill/>
-        </p:spPr>
-        <p:txBody>
-          <a:bodyPr wrap="square" lIns="107287" tIns="53643" rIns="107287" bIns="53643" rtlCol="0">
-            <a:spAutoFit/>
-          </a:bodyPr>
-          <a:lstStyle/>
-          <a:p>
-            <a:pPr algn="r"/>
-            <a:r>
-              <a:rPr lang="en-US" sz="1400" dirty="0" smtClean="0"/>
-              <a:t>1.0</a:t>
-            </a:r>
-            <a:endParaRPr lang="en-US" sz="1400" dirty="0"/>
-          </a:p>
-        </p:txBody>
-      </p:sp>
-      <p:sp>
-        <p:nvSpPr>
-          <p:cNvPr id="89" name="TextBox 88"/>
-          <p:cNvSpPr txBox="1"/>
-          <p:nvPr/>
-        </p:nvSpPr>
-        <p:spPr>
-          <a:xfrm>
-            <a:off x="1533073" y="3697918"/>
-            <a:ext cx="665940" cy="323777"/>
-          </a:xfrm>
-          <a:prstGeom prst="rect">
-            <a:avLst/>
-          </a:prstGeom>
-          <a:noFill/>
-        </p:spPr>
-        <p:txBody>
-          <a:bodyPr wrap="square" lIns="107287" tIns="53643" rIns="107287" bIns="53643" rtlCol="0">
-            <a:spAutoFit/>
-          </a:bodyPr>
-          <a:lstStyle/>
-          <a:p>
-            <a:pPr algn="r"/>
-            <a:r>
-              <a:rPr lang="en-US" sz="1400" dirty="0" smtClean="0"/>
-              <a:t>0.5</a:t>
-            </a:r>
-            <a:endParaRPr lang="en-US" sz="1400" dirty="0"/>
-          </a:p>
-        </p:txBody>
-      </p:sp>
-      <p:sp>
-        <p:nvSpPr>
-          <p:cNvPr id="90" name="TextBox 89"/>
-          <p:cNvSpPr txBox="1"/>
-          <p:nvPr/>
-        </p:nvSpPr>
-        <p:spPr>
-          <a:xfrm>
-            <a:off x="1533071" y="4251513"/>
-            <a:ext cx="665940" cy="323777"/>
-          </a:xfrm>
-          <a:prstGeom prst="rect">
-            <a:avLst/>
-          </a:prstGeom>
-          <a:noFill/>
-        </p:spPr>
-        <p:txBody>
-          <a:bodyPr wrap="square" lIns="107287" tIns="53643" rIns="107287" bIns="53643" rtlCol="0">
-            <a:spAutoFit/>
-          </a:bodyPr>
-          <a:lstStyle/>
-          <a:p>
-            <a:pPr algn="r"/>
-            <a:r>
-              <a:rPr lang="en-US" sz="1400" dirty="0" smtClean="0"/>
-              <a:t>0.0</a:t>
-            </a:r>
-            <a:endParaRPr lang="en-US" sz="1400" dirty="0"/>
-          </a:p>
-        </p:txBody>
-      </p:sp>
-      <p:sp>
-        <p:nvSpPr>
-          <p:cNvPr id="91" name="TextBox 90"/>
-          <p:cNvSpPr txBox="1"/>
-          <p:nvPr/>
-        </p:nvSpPr>
-        <p:spPr>
-          <a:xfrm rot="16200000">
-            <a:off x="700189" y="3682074"/>
-            <a:ext cx="1665784" cy="354555"/>
-          </a:xfrm>
-          <a:prstGeom prst="rect">
-            <a:avLst/>
-          </a:prstGeom>
-          <a:noFill/>
-        </p:spPr>
-        <p:txBody>
-          <a:bodyPr wrap="none" lIns="107287" tIns="53643" rIns="107287" bIns="53643" rtlCol="0">
-            <a:spAutoFit/>
-          </a:bodyPr>
-          <a:lstStyle/>
-          <a:p>
-            <a:r>
-              <a:rPr lang="en-GB" sz="1600" dirty="0" smtClean="0"/>
-              <a:t>fitted parameters</a:t>
-            </a:r>
-            <a:endParaRPr lang="en-US" sz="1600" baseline="-25000" dirty="0"/>
-          </a:p>
-        </p:txBody>
-      </p:sp>
-      <p:sp>
-        <p:nvSpPr>
-          <p:cNvPr id="92" name="TextBox 91"/>
-          <p:cNvSpPr txBox="1"/>
-          <p:nvPr/>
-        </p:nvSpPr>
-        <p:spPr>
-          <a:xfrm rot="16200000">
-            <a:off x="885585" y="5490923"/>
-            <a:ext cx="1294989" cy="354555"/>
-          </a:xfrm>
-          <a:prstGeom prst="rect">
-            <a:avLst/>
-          </a:prstGeom>
-          <a:noFill/>
-        </p:spPr>
-        <p:txBody>
-          <a:bodyPr wrap="none" lIns="107287" tIns="53643" rIns="107287" bIns="53643" rtlCol="0">
-            <a:spAutoFit/>
-          </a:bodyPr>
-          <a:lstStyle/>
-          <a:p>
-            <a:r>
-              <a:rPr lang="en-GB" sz="1600" dirty="0" smtClean="0"/>
-              <a:t>performance</a:t>
-            </a:r>
-            <a:endParaRPr lang="en-US" sz="1600" baseline="-25000" dirty="0"/>
-          </a:p>
-        </p:txBody>
-      </p:sp>
-      <p:sp>
-        <p:nvSpPr>
-          <p:cNvPr id="93" name="TextBox 92"/>
-          <p:cNvSpPr txBox="1"/>
-          <p:nvPr/>
-        </p:nvSpPr>
-        <p:spPr>
-          <a:xfrm rot="16200000">
-            <a:off x="1046091" y="7225430"/>
-            <a:ext cx="973988" cy="354555"/>
-          </a:xfrm>
-          <a:prstGeom prst="rect">
-            <a:avLst/>
-          </a:prstGeom>
-          <a:noFill/>
-        </p:spPr>
-        <p:txBody>
-          <a:bodyPr wrap="none" lIns="107287" tIns="53643" rIns="107287" bIns="53643" rtlCol="0">
-            <a:spAutoFit/>
-          </a:bodyPr>
-          <a:lstStyle/>
-          <a:p>
-            <a:r>
-              <a:rPr lang="en-GB" sz="1600" dirty="0" smtClean="0"/>
-              <a:t>response</a:t>
-            </a:r>
-            <a:endParaRPr lang="en-US" sz="1600" baseline="-25000" dirty="0"/>
-          </a:p>
-        </p:txBody>
-      </p:sp>
-      <p:sp>
-        <p:nvSpPr>
-          <p:cNvPr id="94" name="TextBox 93"/>
-          <p:cNvSpPr txBox="1"/>
-          <p:nvPr/>
-        </p:nvSpPr>
-        <p:spPr>
-          <a:xfrm rot="16200000">
-            <a:off x="872469" y="1686166"/>
-            <a:ext cx="1321205" cy="354555"/>
-          </a:xfrm>
-          <a:prstGeom prst="rect">
-            <a:avLst/>
-          </a:prstGeom>
-          <a:noFill/>
-        </p:spPr>
-        <p:txBody>
-          <a:bodyPr wrap="none" lIns="107287" tIns="53643" rIns="107287" bIns="53643" rtlCol="0">
-            <a:spAutoFit/>
-          </a:bodyPr>
-          <a:lstStyle/>
-          <a:p>
-            <a:r>
-              <a:rPr lang="en-US" sz="1600" dirty="0" smtClean="0"/>
-              <a:t>parameter </a:t>
-            </a:r>
-            <a:r>
-              <a:rPr lang="el-GR" sz="1600" dirty="0" smtClean="0"/>
-              <a:t>α</a:t>
-            </a:r>
-            <a:r>
-              <a:rPr lang="en-GB" sz="1600" baseline="-25000" dirty="0" smtClean="0"/>
-              <a:t>R</a:t>
-            </a:r>
-            <a:endParaRPr lang="en-US" sz="1600" baseline="-25000" dirty="0"/>
-          </a:p>
-        </p:txBody>
-      </p:sp>
-      <p:sp>
-        <p:nvSpPr>
-          <p:cNvPr id="83" name="TextBox 82"/>
-          <p:cNvSpPr txBox="1"/>
-          <p:nvPr/>
-        </p:nvSpPr>
-        <p:spPr>
-          <a:xfrm>
-            <a:off x="4153485" y="6171308"/>
-            <a:ext cx="1321205" cy="354555"/>
-          </a:xfrm>
-          <a:prstGeom prst="rect">
-            <a:avLst/>
-          </a:prstGeom>
-          <a:noFill/>
-        </p:spPr>
-        <p:txBody>
-          <a:bodyPr wrap="none" lIns="107287" tIns="53643" rIns="107287" bIns="53643" rtlCol="0">
-            <a:spAutoFit/>
-          </a:bodyPr>
-          <a:lstStyle/>
-          <a:p>
-            <a:r>
-              <a:rPr lang="en-US" sz="1600" dirty="0" smtClean="0"/>
-              <a:t>parameter </a:t>
-            </a:r>
-            <a:r>
-              <a:rPr lang="el-GR" sz="1600" dirty="0" smtClean="0"/>
-              <a:t>α</a:t>
-            </a:r>
-            <a:r>
-              <a:rPr lang="en-GB" sz="1600" baseline="-25000" dirty="0" smtClean="0"/>
-              <a:t>R</a:t>
-            </a:r>
-            <a:endParaRPr lang="en-US" sz="1600" baseline="-25000" dirty="0"/>
-          </a:p>
-        </p:txBody>
-      </p:sp>
-      <p:sp>
-        <p:nvSpPr>
-          <p:cNvPr id="84" name="TextBox 83"/>
-          <p:cNvSpPr txBox="1"/>
-          <p:nvPr/>
-        </p:nvSpPr>
-        <p:spPr>
-          <a:xfrm>
-            <a:off x="2199013" y="6171308"/>
-            <a:ext cx="1321205" cy="354555"/>
-          </a:xfrm>
-          <a:prstGeom prst="rect">
-            <a:avLst/>
-          </a:prstGeom>
-          <a:noFill/>
-        </p:spPr>
-        <p:txBody>
-          <a:bodyPr wrap="none" lIns="107287" tIns="53643" rIns="107287" bIns="53643" rtlCol="0">
-            <a:spAutoFit/>
-          </a:bodyPr>
-          <a:lstStyle/>
-          <a:p>
-            <a:r>
-              <a:rPr lang="en-US" sz="1600" dirty="0" smtClean="0"/>
-              <a:t>parameter </a:t>
-            </a:r>
-            <a:r>
-              <a:rPr lang="el-GR" sz="1600" dirty="0" smtClean="0"/>
-              <a:t>α</a:t>
-            </a:r>
-            <a:r>
-              <a:rPr lang="en-GB" sz="1600" baseline="-25000" dirty="0" smtClean="0"/>
-              <a:t>R</a:t>
-            </a:r>
-            <a:endParaRPr lang="en-US" sz="1600" baseline="-25000" dirty="0"/>
-          </a:p>
-        </p:txBody>
-      </p:sp>
+        </p:grpSpPr>
+        <p:pic>
+          <p:nvPicPr>
+            <p:cNvPr id="142" name="Picture 141" descr="figure_2Dbis.pdf"/>
+            <p:cNvPicPr>
+              <a:picLocks noChangeAspect="1"/>
+            </p:cNvPicPr>
+            <p:nvPr/>
+          </p:nvPicPr>
+          <mc:AlternateContent>
+            <mc:Choice xmlns:ma="http://schemas.microsoft.com/office/mac/drawingml/2008/main" Requires="ma">
+              <p:blipFill>
+                <a:blip r:embed="rId9"/>
+                <a:stretch>
+                  <a:fillRect/>
+                </a:stretch>
+              </p:blipFill>
+            </mc:Choice>
+            <mc:Fallback>
+              <p:blipFill>
+                <a:blip r:embed="rId10"/>
+                <a:stretch>
+                  <a:fillRect/>
+                </a:stretch>
+              </p:blipFill>
+            </mc:Fallback>
+          </mc:AlternateContent>
+          <p:spPr>
+            <a:xfrm>
+              <a:off x="1985283" y="6681443"/>
+              <a:ext cx="3176043" cy="2566761"/>
+            </a:xfrm>
+            <a:prstGeom prst="rect">
+              <a:avLst/>
+            </a:prstGeom>
+          </p:spPr>
+        </p:pic>
+        <p:sp>
+          <p:nvSpPr>
+            <p:cNvPr id="20" name="TextBox 19"/>
+            <p:cNvSpPr txBox="1"/>
+            <p:nvPr/>
+          </p:nvSpPr>
+          <p:spPr>
+            <a:xfrm>
+              <a:off x="854828" y="6542132"/>
+              <a:ext cx="386431" cy="431499"/>
+            </a:xfrm>
+            <a:prstGeom prst="rect">
+              <a:avLst/>
+            </a:prstGeom>
+            <a:noFill/>
+          </p:spPr>
+          <p:txBody>
+            <a:bodyPr wrap="none" lIns="107287" tIns="53643" rIns="107287" bIns="53643" rtlCol="0">
+              <a:spAutoFit/>
+            </a:bodyPr>
+            <a:lstStyle/>
+            <a:p>
+              <a:r>
+                <a:rPr lang="en-US" b="1" dirty="0" smtClean="0"/>
+                <a:t>D</a:t>
+              </a:r>
+              <a:endParaRPr lang="en-US" b="1" dirty="0"/>
+            </a:p>
+          </p:txBody>
+        </p:sp>
+        <p:grpSp>
+          <p:nvGrpSpPr>
+            <p:cNvPr id="170" name="Group 169"/>
+            <p:cNvGrpSpPr/>
+            <p:nvPr/>
+          </p:nvGrpSpPr>
+          <p:grpSpPr>
+            <a:xfrm>
+              <a:off x="2245904" y="9167228"/>
+              <a:ext cx="2785740" cy="354555"/>
+              <a:chOff x="2245904" y="9167228"/>
+              <a:chExt cx="2785740" cy="354555"/>
+            </a:xfrm>
+          </p:grpSpPr>
+          <p:sp>
+            <p:nvSpPr>
+              <p:cNvPr id="81" name="TextBox 80"/>
+              <p:cNvSpPr txBox="1"/>
+              <p:nvPr/>
+            </p:nvSpPr>
+            <p:spPr>
+              <a:xfrm>
+                <a:off x="3848549" y="9167228"/>
+                <a:ext cx="1183095" cy="354555"/>
+              </a:xfrm>
+              <a:prstGeom prst="rect">
+                <a:avLst/>
+              </a:prstGeom>
+              <a:noFill/>
+            </p:spPr>
+            <p:txBody>
+              <a:bodyPr wrap="square" lIns="107287" tIns="53643" rIns="107287" bIns="53643" rtlCol="0">
+                <a:spAutoFit/>
+              </a:bodyPr>
+              <a:lstStyle/>
+              <a:p>
+                <a:pPr algn="ctr"/>
+                <a:r>
+                  <a:rPr lang="en-GB" sz="1600" dirty="0" smtClean="0"/>
+                  <a:t># times</a:t>
+                </a:r>
+                <a:endParaRPr lang="en-US" sz="1600" baseline="-25000" dirty="0"/>
+              </a:p>
+            </p:txBody>
+          </p:sp>
+          <p:sp>
+            <p:nvSpPr>
+              <p:cNvPr id="82" name="TextBox 81"/>
+              <p:cNvSpPr txBox="1"/>
+              <p:nvPr/>
+            </p:nvSpPr>
+            <p:spPr>
+              <a:xfrm>
+                <a:off x="2245904" y="9167228"/>
+                <a:ext cx="1183095" cy="354555"/>
+              </a:xfrm>
+              <a:prstGeom prst="rect">
+                <a:avLst/>
+              </a:prstGeom>
+              <a:noFill/>
+            </p:spPr>
+            <p:txBody>
+              <a:bodyPr wrap="square" lIns="107287" tIns="53643" rIns="107287" bIns="53643" rtlCol="0">
+                <a:spAutoFit/>
+              </a:bodyPr>
+              <a:lstStyle/>
+              <a:p>
+                <a:pPr algn="ctr"/>
+                <a:r>
+                  <a:rPr lang="en-GB" sz="1600" dirty="0" smtClean="0"/>
+                  <a:t># times</a:t>
+                </a:r>
+                <a:endParaRPr lang="en-US" sz="1600" baseline="-25000" dirty="0"/>
+              </a:p>
+            </p:txBody>
+          </p:sp>
+        </p:grpSp>
+        <p:grpSp>
+          <p:nvGrpSpPr>
+            <p:cNvPr id="172" name="Group 171"/>
+            <p:cNvGrpSpPr/>
+            <p:nvPr/>
+          </p:nvGrpSpPr>
+          <p:grpSpPr>
+            <a:xfrm>
+              <a:off x="1355807" y="6915714"/>
+              <a:ext cx="354555" cy="2219795"/>
+              <a:chOff x="1355807" y="6915714"/>
+              <a:chExt cx="354555" cy="2219795"/>
+            </a:xfrm>
+          </p:grpSpPr>
+          <p:sp>
+            <p:nvSpPr>
+              <p:cNvPr id="87" name="TextBox 86"/>
+              <p:cNvSpPr txBox="1"/>
+              <p:nvPr/>
+            </p:nvSpPr>
+            <p:spPr>
+              <a:xfrm rot="16200000">
+                <a:off x="1046091" y="8471237"/>
+                <a:ext cx="973988" cy="354555"/>
+              </a:xfrm>
+              <a:prstGeom prst="rect">
+                <a:avLst/>
+              </a:prstGeom>
+              <a:noFill/>
+            </p:spPr>
+            <p:txBody>
+              <a:bodyPr wrap="none" lIns="107287" tIns="53643" rIns="107287" bIns="53643" rtlCol="0">
+                <a:spAutoFit/>
+              </a:bodyPr>
+              <a:lstStyle/>
+              <a:p>
+                <a:r>
+                  <a:rPr lang="en-GB" sz="1600" dirty="0" smtClean="0"/>
+                  <a:t>response</a:t>
+                </a:r>
+                <a:endParaRPr lang="en-US" sz="1600" baseline="-25000" dirty="0"/>
+              </a:p>
+            </p:txBody>
+          </p:sp>
+          <p:sp>
+            <p:nvSpPr>
+              <p:cNvPr id="93" name="TextBox 92"/>
+              <p:cNvSpPr txBox="1"/>
+              <p:nvPr/>
+            </p:nvSpPr>
+            <p:spPr>
+              <a:xfrm rot="16200000">
+                <a:off x="1046091" y="7225430"/>
+                <a:ext cx="973988" cy="354555"/>
+              </a:xfrm>
+              <a:prstGeom prst="rect">
+                <a:avLst/>
+              </a:prstGeom>
+              <a:noFill/>
+            </p:spPr>
+            <p:txBody>
+              <a:bodyPr wrap="none" lIns="107287" tIns="53643" rIns="107287" bIns="53643" rtlCol="0">
+                <a:spAutoFit/>
+              </a:bodyPr>
+              <a:lstStyle/>
+              <a:p>
+                <a:r>
+                  <a:rPr lang="en-GB" sz="1600" dirty="0" smtClean="0"/>
+                  <a:t>response</a:t>
+                </a:r>
+                <a:endParaRPr lang="en-US" sz="1600" baseline="-25000" dirty="0"/>
+              </a:p>
+            </p:txBody>
+          </p:sp>
+        </p:grpSp>
+        <p:grpSp>
+          <p:nvGrpSpPr>
+            <p:cNvPr id="169" name="Group 168"/>
+            <p:cNvGrpSpPr/>
+            <p:nvPr/>
+          </p:nvGrpSpPr>
+          <p:grpSpPr>
+            <a:xfrm>
+              <a:off x="2194665" y="7687039"/>
+              <a:ext cx="2886388" cy="1611961"/>
+              <a:chOff x="2194665" y="7687039"/>
+              <a:chExt cx="2886388" cy="1611961"/>
+            </a:xfrm>
+          </p:grpSpPr>
+          <p:grpSp>
+            <p:nvGrpSpPr>
+              <p:cNvPr id="143" name="Group 142"/>
+              <p:cNvGrpSpPr/>
+              <p:nvPr/>
+            </p:nvGrpSpPr>
+            <p:grpSpPr>
+              <a:xfrm>
+                <a:off x="3793910" y="8975223"/>
+                <a:ext cx="1287143" cy="323777"/>
+                <a:chOff x="2194665" y="7737840"/>
+                <a:chExt cx="1287143" cy="323777"/>
+              </a:xfrm>
+            </p:grpSpPr>
+            <p:sp>
+              <p:nvSpPr>
+                <p:cNvPr id="60" name="TextBox 59"/>
+                <p:cNvSpPr txBox="1"/>
+                <p:nvPr/>
+              </p:nvSpPr>
+              <p:spPr>
+                <a:xfrm>
+                  <a:off x="3106145" y="7737840"/>
+                  <a:ext cx="375663" cy="323777"/>
+                </a:xfrm>
+                <a:prstGeom prst="rect">
+                  <a:avLst/>
+                </a:prstGeom>
+                <a:noFill/>
+              </p:spPr>
+              <p:txBody>
+                <a:bodyPr wrap="square" lIns="107287" tIns="53643" rIns="107287" bIns="53643" rtlCol="0">
+                  <a:spAutoFit/>
+                </a:bodyPr>
+                <a:lstStyle/>
+                <a:p>
+                  <a:pPr algn="ctr"/>
+                  <a:r>
+                    <a:rPr lang="en-US" sz="1400" dirty="0" smtClean="0"/>
+                    <a:t>4</a:t>
+                  </a:r>
+                  <a:endParaRPr lang="en-US" sz="1400" dirty="0"/>
+                </a:p>
+              </p:txBody>
+            </p:sp>
+            <p:sp>
+              <p:nvSpPr>
+                <p:cNvPr id="61" name="TextBox 60"/>
+                <p:cNvSpPr txBox="1"/>
+                <p:nvPr/>
+              </p:nvSpPr>
+              <p:spPr>
+                <a:xfrm>
+                  <a:off x="2804566" y="7737840"/>
+                  <a:ext cx="375663" cy="323777"/>
+                </a:xfrm>
+                <a:prstGeom prst="rect">
+                  <a:avLst/>
+                </a:prstGeom>
+                <a:noFill/>
+              </p:spPr>
+              <p:txBody>
+                <a:bodyPr wrap="square" lIns="107287" tIns="53643" rIns="107287" bIns="53643" rtlCol="0">
+                  <a:spAutoFit/>
+                </a:bodyPr>
+                <a:lstStyle/>
+                <a:p>
+                  <a:pPr algn="ctr"/>
+                  <a:r>
+                    <a:rPr lang="en-US" sz="1400" dirty="0" smtClean="0"/>
+                    <a:t>3</a:t>
+                  </a:r>
+                  <a:endParaRPr lang="en-US" sz="1400" dirty="0"/>
+                </a:p>
+              </p:txBody>
+            </p:sp>
+            <p:sp>
+              <p:nvSpPr>
+                <p:cNvPr id="62" name="TextBox 61"/>
+                <p:cNvSpPr txBox="1"/>
+                <p:nvPr/>
+              </p:nvSpPr>
+              <p:spPr>
+                <a:xfrm>
+                  <a:off x="2499419" y="7737840"/>
+                  <a:ext cx="375663" cy="323777"/>
+                </a:xfrm>
+                <a:prstGeom prst="rect">
+                  <a:avLst/>
+                </a:prstGeom>
+                <a:noFill/>
+              </p:spPr>
+              <p:txBody>
+                <a:bodyPr wrap="square" lIns="107287" tIns="53643" rIns="107287" bIns="53643" rtlCol="0">
+                  <a:spAutoFit/>
+                </a:bodyPr>
+                <a:lstStyle/>
+                <a:p>
+                  <a:pPr algn="ctr"/>
+                  <a:r>
+                    <a:rPr lang="en-US" sz="1400" dirty="0" smtClean="0"/>
+                    <a:t>2</a:t>
+                  </a:r>
+                  <a:endParaRPr lang="en-US" sz="1400" dirty="0"/>
+                </a:p>
+              </p:txBody>
+            </p:sp>
+            <p:sp>
+              <p:nvSpPr>
+                <p:cNvPr id="63" name="TextBox 62"/>
+                <p:cNvSpPr txBox="1"/>
+                <p:nvPr/>
+              </p:nvSpPr>
+              <p:spPr>
+                <a:xfrm>
+                  <a:off x="2194665" y="7737840"/>
+                  <a:ext cx="375663" cy="323777"/>
+                </a:xfrm>
+                <a:prstGeom prst="rect">
+                  <a:avLst/>
+                </a:prstGeom>
+                <a:noFill/>
+              </p:spPr>
+              <p:txBody>
+                <a:bodyPr wrap="square" lIns="107287" tIns="53643" rIns="107287" bIns="53643" rtlCol="0">
+                  <a:spAutoFit/>
+                </a:bodyPr>
+                <a:lstStyle/>
+                <a:p>
+                  <a:pPr algn="ctr"/>
+                  <a:r>
+                    <a:rPr lang="en-US" sz="1400" dirty="0" smtClean="0"/>
+                    <a:t>1</a:t>
+                  </a:r>
+                  <a:endParaRPr lang="en-US" sz="1400" dirty="0"/>
+                </a:p>
+              </p:txBody>
+            </p:sp>
+          </p:grpSp>
+          <p:grpSp>
+            <p:nvGrpSpPr>
+              <p:cNvPr id="149" name="Group 148"/>
+              <p:cNvGrpSpPr/>
+              <p:nvPr/>
+            </p:nvGrpSpPr>
+            <p:grpSpPr>
+              <a:xfrm>
+                <a:off x="2194665" y="8975223"/>
+                <a:ext cx="1287143" cy="323777"/>
+                <a:chOff x="2194665" y="7737840"/>
+                <a:chExt cx="1287143" cy="323777"/>
+              </a:xfrm>
+            </p:grpSpPr>
+            <p:sp>
+              <p:nvSpPr>
+                <p:cNvPr id="150" name="TextBox 149"/>
+                <p:cNvSpPr txBox="1"/>
+                <p:nvPr/>
+              </p:nvSpPr>
+              <p:spPr>
+                <a:xfrm>
+                  <a:off x="3106145" y="7737840"/>
+                  <a:ext cx="375663" cy="323777"/>
+                </a:xfrm>
+                <a:prstGeom prst="rect">
+                  <a:avLst/>
+                </a:prstGeom>
+                <a:noFill/>
+              </p:spPr>
+              <p:txBody>
+                <a:bodyPr wrap="square" lIns="107287" tIns="53643" rIns="107287" bIns="53643" rtlCol="0">
+                  <a:spAutoFit/>
+                </a:bodyPr>
+                <a:lstStyle/>
+                <a:p>
+                  <a:pPr algn="ctr"/>
+                  <a:r>
+                    <a:rPr lang="en-US" sz="1400" dirty="0" smtClean="0"/>
+                    <a:t>4</a:t>
+                  </a:r>
+                  <a:endParaRPr lang="en-US" sz="1400" dirty="0"/>
+                </a:p>
+              </p:txBody>
+            </p:sp>
+            <p:sp>
+              <p:nvSpPr>
+                <p:cNvPr id="151" name="TextBox 150"/>
+                <p:cNvSpPr txBox="1"/>
+                <p:nvPr/>
+              </p:nvSpPr>
+              <p:spPr>
+                <a:xfrm>
+                  <a:off x="2804566" y="7737840"/>
+                  <a:ext cx="375663" cy="323777"/>
+                </a:xfrm>
+                <a:prstGeom prst="rect">
+                  <a:avLst/>
+                </a:prstGeom>
+                <a:noFill/>
+              </p:spPr>
+              <p:txBody>
+                <a:bodyPr wrap="square" lIns="107287" tIns="53643" rIns="107287" bIns="53643" rtlCol="0">
+                  <a:spAutoFit/>
+                </a:bodyPr>
+                <a:lstStyle/>
+                <a:p>
+                  <a:pPr algn="ctr"/>
+                  <a:r>
+                    <a:rPr lang="en-US" sz="1400" dirty="0" smtClean="0"/>
+                    <a:t>3</a:t>
+                  </a:r>
+                  <a:endParaRPr lang="en-US" sz="1400" dirty="0"/>
+                </a:p>
+              </p:txBody>
+            </p:sp>
+            <p:sp>
+              <p:nvSpPr>
+                <p:cNvPr id="152" name="TextBox 151"/>
+                <p:cNvSpPr txBox="1"/>
+                <p:nvPr/>
+              </p:nvSpPr>
+              <p:spPr>
+                <a:xfrm>
+                  <a:off x="2499419" y="7737840"/>
+                  <a:ext cx="375663" cy="323777"/>
+                </a:xfrm>
+                <a:prstGeom prst="rect">
+                  <a:avLst/>
+                </a:prstGeom>
+                <a:noFill/>
+              </p:spPr>
+              <p:txBody>
+                <a:bodyPr wrap="square" lIns="107287" tIns="53643" rIns="107287" bIns="53643" rtlCol="0">
+                  <a:spAutoFit/>
+                </a:bodyPr>
+                <a:lstStyle/>
+                <a:p>
+                  <a:pPr algn="ctr"/>
+                  <a:r>
+                    <a:rPr lang="en-US" sz="1400" dirty="0" smtClean="0"/>
+                    <a:t>2</a:t>
+                  </a:r>
+                  <a:endParaRPr lang="en-US" sz="1400" dirty="0"/>
+                </a:p>
+              </p:txBody>
+            </p:sp>
+            <p:sp>
+              <p:nvSpPr>
+                <p:cNvPr id="153" name="TextBox 152"/>
+                <p:cNvSpPr txBox="1"/>
+                <p:nvPr/>
+              </p:nvSpPr>
+              <p:spPr>
+                <a:xfrm>
+                  <a:off x="2194665" y="7737840"/>
+                  <a:ext cx="375663" cy="323777"/>
+                </a:xfrm>
+                <a:prstGeom prst="rect">
+                  <a:avLst/>
+                </a:prstGeom>
+                <a:noFill/>
+              </p:spPr>
+              <p:txBody>
+                <a:bodyPr wrap="square" lIns="107287" tIns="53643" rIns="107287" bIns="53643" rtlCol="0">
+                  <a:spAutoFit/>
+                </a:bodyPr>
+                <a:lstStyle/>
+                <a:p>
+                  <a:pPr algn="ctr"/>
+                  <a:r>
+                    <a:rPr lang="en-US" sz="1400" dirty="0" smtClean="0"/>
+                    <a:t>1</a:t>
+                  </a:r>
+                  <a:endParaRPr lang="en-US" sz="1400" dirty="0"/>
+                </a:p>
+              </p:txBody>
+            </p:sp>
+          </p:grpSp>
+          <p:grpSp>
+            <p:nvGrpSpPr>
+              <p:cNvPr id="154" name="Group 153"/>
+              <p:cNvGrpSpPr/>
+              <p:nvPr/>
+            </p:nvGrpSpPr>
+            <p:grpSpPr>
+              <a:xfrm>
+                <a:off x="3793910" y="7687039"/>
+                <a:ext cx="1287143" cy="323777"/>
+                <a:chOff x="2194665" y="7737840"/>
+                <a:chExt cx="1287143" cy="323777"/>
+              </a:xfrm>
+            </p:grpSpPr>
+            <p:sp>
+              <p:nvSpPr>
+                <p:cNvPr id="155" name="TextBox 154"/>
+                <p:cNvSpPr txBox="1"/>
+                <p:nvPr/>
+              </p:nvSpPr>
+              <p:spPr>
+                <a:xfrm>
+                  <a:off x="3106145" y="7737840"/>
+                  <a:ext cx="375663" cy="323777"/>
+                </a:xfrm>
+                <a:prstGeom prst="rect">
+                  <a:avLst/>
+                </a:prstGeom>
+                <a:noFill/>
+              </p:spPr>
+              <p:txBody>
+                <a:bodyPr wrap="square" lIns="107287" tIns="53643" rIns="107287" bIns="53643" rtlCol="0">
+                  <a:spAutoFit/>
+                </a:bodyPr>
+                <a:lstStyle/>
+                <a:p>
+                  <a:pPr algn="ctr"/>
+                  <a:r>
+                    <a:rPr lang="en-US" sz="1400" dirty="0" smtClean="0"/>
+                    <a:t>4</a:t>
+                  </a:r>
+                  <a:endParaRPr lang="en-US" sz="1400" dirty="0"/>
+                </a:p>
+              </p:txBody>
+            </p:sp>
+            <p:sp>
+              <p:nvSpPr>
+                <p:cNvPr id="156" name="TextBox 155"/>
+                <p:cNvSpPr txBox="1"/>
+                <p:nvPr/>
+              </p:nvSpPr>
+              <p:spPr>
+                <a:xfrm>
+                  <a:off x="2804566" y="7737840"/>
+                  <a:ext cx="375663" cy="323777"/>
+                </a:xfrm>
+                <a:prstGeom prst="rect">
+                  <a:avLst/>
+                </a:prstGeom>
+                <a:noFill/>
+              </p:spPr>
+              <p:txBody>
+                <a:bodyPr wrap="square" lIns="107287" tIns="53643" rIns="107287" bIns="53643" rtlCol="0">
+                  <a:spAutoFit/>
+                </a:bodyPr>
+                <a:lstStyle/>
+                <a:p>
+                  <a:pPr algn="ctr"/>
+                  <a:r>
+                    <a:rPr lang="en-US" sz="1400" dirty="0" smtClean="0"/>
+                    <a:t>3</a:t>
+                  </a:r>
+                  <a:endParaRPr lang="en-US" sz="1400" dirty="0"/>
+                </a:p>
+              </p:txBody>
+            </p:sp>
+            <p:sp>
+              <p:nvSpPr>
+                <p:cNvPr id="157" name="TextBox 156"/>
+                <p:cNvSpPr txBox="1"/>
+                <p:nvPr/>
+              </p:nvSpPr>
+              <p:spPr>
+                <a:xfrm>
+                  <a:off x="2499419" y="7737840"/>
+                  <a:ext cx="375663" cy="323777"/>
+                </a:xfrm>
+                <a:prstGeom prst="rect">
+                  <a:avLst/>
+                </a:prstGeom>
+                <a:noFill/>
+              </p:spPr>
+              <p:txBody>
+                <a:bodyPr wrap="square" lIns="107287" tIns="53643" rIns="107287" bIns="53643" rtlCol="0">
+                  <a:spAutoFit/>
+                </a:bodyPr>
+                <a:lstStyle/>
+                <a:p>
+                  <a:pPr algn="ctr"/>
+                  <a:r>
+                    <a:rPr lang="en-US" sz="1400" dirty="0" smtClean="0"/>
+                    <a:t>2</a:t>
+                  </a:r>
+                  <a:endParaRPr lang="en-US" sz="1400" dirty="0"/>
+                </a:p>
+              </p:txBody>
+            </p:sp>
+            <p:sp>
+              <p:nvSpPr>
+                <p:cNvPr id="158" name="TextBox 157"/>
+                <p:cNvSpPr txBox="1"/>
+                <p:nvPr/>
+              </p:nvSpPr>
+              <p:spPr>
+                <a:xfrm>
+                  <a:off x="2194665" y="7737840"/>
+                  <a:ext cx="375663" cy="323777"/>
+                </a:xfrm>
+                <a:prstGeom prst="rect">
+                  <a:avLst/>
+                </a:prstGeom>
+                <a:noFill/>
+              </p:spPr>
+              <p:txBody>
+                <a:bodyPr wrap="square" lIns="107287" tIns="53643" rIns="107287" bIns="53643" rtlCol="0">
+                  <a:spAutoFit/>
+                </a:bodyPr>
+                <a:lstStyle/>
+                <a:p>
+                  <a:pPr algn="ctr"/>
+                  <a:r>
+                    <a:rPr lang="en-US" sz="1400" dirty="0" smtClean="0"/>
+                    <a:t>1</a:t>
+                  </a:r>
+                  <a:endParaRPr lang="en-US" sz="1400" dirty="0"/>
+                </a:p>
+              </p:txBody>
+            </p:sp>
+          </p:grpSp>
+          <p:grpSp>
+            <p:nvGrpSpPr>
+              <p:cNvPr id="159" name="Group 158"/>
+              <p:cNvGrpSpPr/>
+              <p:nvPr/>
+            </p:nvGrpSpPr>
+            <p:grpSpPr>
+              <a:xfrm>
+                <a:off x="2194665" y="7687039"/>
+                <a:ext cx="1287143" cy="323777"/>
+                <a:chOff x="2194665" y="7737840"/>
+                <a:chExt cx="1287143" cy="323777"/>
+              </a:xfrm>
+            </p:grpSpPr>
+            <p:sp>
+              <p:nvSpPr>
+                <p:cNvPr id="160" name="TextBox 159"/>
+                <p:cNvSpPr txBox="1"/>
+                <p:nvPr/>
+              </p:nvSpPr>
+              <p:spPr>
+                <a:xfrm>
+                  <a:off x="3106145" y="7737840"/>
+                  <a:ext cx="375663" cy="323777"/>
+                </a:xfrm>
+                <a:prstGeom prst="rect">
+                  <a:avLst/>
+                </a:prstGeom>
+                <a:noFill/>
+              </p:spPr>
+              <p:txBody>
+                <a:bodyPr wrap="square" lIns="107287" tIns="53643" rIns="107287" bIns="53643" rtlCol="0">
+                  <a:spAutoFit/>
+                </a:bodyPr>
+                <a:lstStyle/>
+                <a:p>
+                  <a:pPr algn="ctr"/>
+                  <a:r>
+                    <a:rPr lang="en-US" sz="1400" dirty="0" smtClean="0"/>
+                    <a:t>4</a:t>
+                  </a:r>
+                  <a:endParaRPr lang="en-US" sz="1400" dirty="0"/>
+                </a:p>
+              </p:txBody>
+            </p:sp>
+            <p:sp>
+              <p:nvSpPr>
+                <p:cNvPr id="161" name="TextBox 160"/>
+                <p:cNvSpPr txBox="1"/>
+                <p:nvPr/>
+              </p:nvSpPr>
+              <p:spPr>
+                <a:xfrm>
+                  <a:off x="2804566" y="7737840"/>
+                  <a:ext cx="375663" cy="323777"/>
+                </a:xfrm>
+                <a:prstGeom prst="rect">
+                  <a:avLst/>
+                </a:prstGeom>
+                <a:noFill/>
+              </p:spPr>
+              <p:txBody>
+                <a:bodyPr wrap="square" lIns="107287" tIns="53643" rIns="107287" bIns="53643" rtlCol="0">
+                  <a:spAutoFit/>
+                </a:bodyPr>
+                <a:lstStyle/>
+                <a:p>
+                  <a:pPr algn="ctr"/>
+                  <a:r>
+                    <a:rPr lang="en-US" sz="1400" dirty="0" smtClean="0"/>
+                    <a:t>3</a:t>
+                  </a:r>
+                  <a:endParaRPr lang="en-US" sz="1400" dirty="0"/>
+                </a:p>
+              </p:txBody>
+            </p:sp>
+            <p:sp>
+              <p:nvSpPr>
+                <p:cNvPr id="162" name="TextBox 161"/>
+                <p:cNvSpPr txBox="1"/>
+                <p:nvPr/>
+              </p:nvSpPr>
+              <p:spPr>
+                <a:xfrm>
+                  <a:off x="2499419" y="7737840"/>
+                  <a:ext cx="375663" cy="323777"/>
+                </a:xfrm>
+                <a:prstGeom prst="rect">
+                  <a:avLst/>
+                </a:prstGeom>
+                <a:noFill/>
+              </p:spPr>
+              <p:txBody>
+                <a:bodyPr wrap="square" lIns="107287" tIns="53643" rIns="107287" bIns="53643" rtlCol="0">
+                  <a:spAutoFit/>
+                </a:bodyPr>
+                <a:lstStyle/>
+                <a:p>
+                  <a:pPr algn="ctr"/>
+                  <a:r>
+                    <a:rPr lang="en-US" sz="1400" dirty="0" smtClean="0"/>
+                    <a:t>2</a:t>
+                  </a:r>
+                  <a:endParaRPr lang="en-US" sz="1400" dirty="0"/>
+                </a:p>
+              </p:txBody>
+            </p:sp>
+            <p:sp>
+              <p:nvSpPr>
+                <p:cNvPr id="163" name="TextBox 162"/>
+                <p:cNvSpPr txBox="1"/>
+                <p:nvPr/>
+              </p:nvSpPr>
+              <p:spPr>
+                <a:xfrm>
+                  <a:off x="2194665" y="7737840"/>
+                  <a:ext cx="375663" cy="323777"/>
+                </a:xfrm>
+                <a:prstGeom prst="rect">
+                  <a:avLst/>
+                </a:prstGeom>
+                <a:noFill/>
+              </p:spPr>
+              <p:txBody>
+                <a:bodyPr wrap="square" lIns="107287" tIns="53643" rIns="107287" bIns="53643" rtlCol="0">
+                  <a:spAutoFit/>
+                </a:bodyPr>
+                <a:lstStyle/>
+                <a:p>
+                  <a:pPr algn="ctr"/>
+                  <a:r>
+                    <a:rPr lang="en-US" sz="1400" dirty="0" smtClean="0"/>
+                    <a:t>1</a:t>
+                  </a:r>
+                  <a:endParaRPr lang="en-US" sz="1400" dirty="0"/>
+                </a:p>
+              </p:txBody>
+            </p:sp>
+          </p:grpSp>
+        </p:grpSp>
+        <p:grpSp>
+          <p:nvGrpSpPr>
+            <p:cNvPr id="171" name="Group 170"/>
+            <p:cNvGrpSpPr/>
+            <p:nvPr/>
+          </p:nvGrpSpPr>
+          <p:grpSpPr>
+            <a:xfrm>
+              <a:off x="1539168" y="6649854"/>
+              <a:ext cx="728081" cy="2538539"/>
+              <a:chOff x="1539168" y="6649854"/>
+              <a:chExt cx="728081" cy="2538539"/>
+            </a:xfrm>
+          </p:grpSpPr>
+          <p:grpSp>
+            <p:nvGrpSpPr>
+              <p:cNvPr id="164" name="Group 163"/>
+              <p:cNvGrpSpPr/>
+              <p:nvPr/>
+            </p:nvGrpSpPr>
+            <p:grpSpPr>
+              <a:xfrm>
+                <a:off x="1539168" y="7937313"/>
+                <a:ext cx="728081" cy="1251080"/>
+                <a:chOff x="1470932" y="6649854"/>
+                <a:chExt cx="728081" cy="1251080"/>
+              </a:xfrm>
+            </p:grpSpPr>
+            <p:sp>
+              <p:nvSpPr>
+                <p:cNvPr id="64" name="TextBox 63"/>
+                <p:cNvSpPr txBox="1"/>
+                <p:nvPr/>
+              </p:nvSpPr>
+              <p:spPr>
+                <a:xfrm>
+                  <a:off x="1470932" y="6649854"/>
+                  <a:ext cx="728080" cy="323777"/>
+                </a:xfrm>
+                <a:prstGeom prst="rect">
+                  <a:avLst/>
+                </a:prstGeom>
+                <a:noFill/>
+              </p:spPr>
+              <p:txBody>
+                <a:bodyPr wrap="square" lIns="107287" tIns="53643" rIns="107287" bIns="53643" rtlCol="0">
+                  <a:spAutoFit/>
+                </a:bodyPr>
+                <a:lstStyle/>
+                <a:p>
+                  <a:pPr algn="r"/>
+                  <a:r>
+                    <a:rPr lang="en-US" sz="1400" dirty="0" smtClean="0"/>
+                    <a:t>100%</a:t>
+                  </a:r>
+                  <a:endParaRPr lang="en-US" sz="1400" dirty="0"/>
+                </a:p>
+              </p:txBody>
+            </p:sp>
+            <p:sp>
+              <p:nvSpPr>
+                <p:cNvPr id="67" name="TextBox 66"/>
+                <p:cNvSpPr txBox="1"/>
+                <p:nvPr/>
+              </p:nvSpPr>
+              <p:spPr>
+                <a:xfrm>
+                  <a:off x="1533073" y="7114050"/>
+                  <a:ext cx="665940" cy="323777"/>
+                </a:xfrm>
+                <a:prstGeom prst="rect">
+                  <a:avLst/>
+                </a:prstGeom>
+                <a:noFill/>
+              </p:spPr>
+              <p:txBody>
+                <a:bodyPr wrap="square" lIns="107287" tIns="53643" rIns="107287" bIns="53643" rtlCol="0">
+                  <a:spAutoFit/>
+                </a:bodyPr>
+                <a:lstStyle/>
+                <a:p>
+                  <a:pPr algn="r"/>
+                  <a:r>
+                    <a:rPr lang="en-US" sz="1400" dirty="0" smtClean="0"/>
+                    <a:t>50%</a:t>
+                  </a:r>
+                  <a:endParaRPr lang="en-US" sz="1400" dirty="0"/>
+                </a:p>
+              </p:txBody>
+            </p:sp>
+            <p:sp>
+              <p:nvSpPr>
+                <p:cNvPr id="72" name="TextBox 71"/>
+                <p:cNvSpPr txBox="1"/>
+                <p:nvPr/>
+              </p:nvSpPr>
+              <p:spPr>
+                <a:xfrm>
+                  <a:off x="1533071" y="7577157"/>
+                  <a:ext cx="665940" cy="323777"/>
+                </a:xfrm>
+                <a:prstGeom prst="rect">
+                  <a:avLst/>
+                </a:prstGeom>
+                <a:noFill/>
+              </p:spPr>
+              <p:txBody>
+                <a:bodyPr wrap="square" lIns="107287" tIns="53643" rIns="107287" bIns="53643" rtlCol="0">
+                  <a:spAutoFit/>
+                </a:bodyPr>
+                <a:lstStyle/>
+                <a:p>
+                  <a:pPr algn="r"/>
+                  <a:r>
+                    <a:rPr lang="en-US" sz="1400" dirty="0" smtClean="0"/>
+                    <a:t>0%</a:t>
+                  </a:r>
+                  <a:endParaRPr lang="en-US" sz="1400" dirty="0"/>
+                </a:p>
+              </p:txBody>
+            </p:sp>
+          </p:grpSp>
+          <p:grpSp>
+            <p:nvGrpSpPr>
+              <p:cNvPr id="165" name="Group 164"/>
+              <p:cNvGrpSpPr/>
+              <p:nvPr/>
+            </p:nvGrpSpPr>
+            <p:grpSpPr>
+              <a:xfrm>
+                <a:off x="1539168" y="6649854"/>
+                <a:ext cx="728081" cy="1251080"/>
+                <a:chOff x="1470932" y="6649854"/>
+                <a:chExt cx="728081" cy="1251080"/>
+              </a:xfrm>
+            </p:grpSpPr>
+            <p:sp>
+              <p:nvSpPr>
+                <p:cNvPr id="166" name="TextBox 165"/>
+                <p:cNvSpPr txBox="1"/>
+                <p:nvPr/>
+              </p:nvSpPr>
+              <p:spPr>
+                <a:xfrm>
+                  <a:off x="1470932" y="6649854"/>
+                  <a:ext cx="728080" cy="323777"/>
+                </a:xfrm>
+                <a:prstGeom prst="rect">
+                  <a:avLst/>
+                </a:prstGeom>
+                <a:noFill/>
+              </p:spPr>
+              <p:txBody>
+                <a:bodyPr wrap="square" lIns="107287" tIns="53643" rIns="107287" bIns="53643" rtlCol="0">
+                  <a:spAutoFit/>
+                </a:bodyPr>
+                <a:lstStyle/>
+                <a:p>
+                  <a:pPr algn="r"/>
+                  <a:r>
+                    <a:rPr lang="en-US" sz="1400" dirty="0" smtClean="0"/>
+                    <a:t>100%</a:t>
+                  </a:r>
+                  <a:endParaRPr lang="en-US" sz="1400" dirty="0"/>
+                </a:p>
+              </p:txBody>
+            </p:sp>
+            <p:sp>
+              <p:nvSpPr>
+                <p:cNvPr id="167" name="TextBox 166"/>
+                <p:cNvSpPr txBox="1"/>
+                <p:nvPr/>
+              </p:nvSpPr>
+              <p:spPr>
+                <a:xfrm>
+                  <a:off x="1533073" y="7114050"/>
+                  <a:ext cx="665940" cy="323777"/>
+                </a:xfrm>
+                <a:prstGeom prst="rect">
+                  <a:avLst/>
+                </a:prstGeom>
+                <a:noFill/>
+              </p:spPr>
+              <p:txBody>
+                <a:bodyPr wrap="square" lIns="107287" tIns="53643" rIns="107287" bIns="53643" rtlCol="0">
+                  <a:spAutoFit/>
+                </a:bodyPr>
+                <a:lstStyle/>
+                <a:p>
+                  <a:pPr algn="r"/>
+                  <a:r>
+                    <a:rPr lang="en-US" sz="1400" dirty="0" smtClean="0"/>
+                    <a:t>50%</a:t>
+                  </a:r>
+                  <a:endParaRPr lang="en-US" sz="1400" dirty="0"/>
+                </a:p>
+              </p:txBody>
+            </p:sp>
+            <p:sp>
+              <p:nvSpPr>
+                <p:cNvPr id="168" name="TextBox 167"/>
+                <p:cNvSpPr txBox="1"/>
+                <p:nvPr/>
+              </p:nvSpPr>
+              <p:spPr>
+                <a:xfrm>
+                  <a:off x="1533071" y="7577157"/>
+                  <a:ext cx="665940" cy="323777"/>
+                </a:xfrm>
+                <a:prstGeom prst="rect">
+                  <a:avLst/>
+                </a:prstGeom>
+                <a:noFill/>
+              </p:spPr>
+              <p:txBody>
+                <a:bodyPr wrap="square" lIns="107287" tIns="53643" rIns="107287" bIns="53643" rtlCol="0">
+                  <a:spAutoFit/>
+                </a:bodyPr>
+                <a:lstStyle/>
+                <a:p>
+                  <a:pPr algn="r"/>
+                  <a:r>
+                    <a:rPr lang="en-US" sz="1400" dirty="0" smtClean="0"/>
+                    <a:t>0%</a:t>
+                  </a:r>
+                  <a:endParaRPr lang="en-US" sz="1400" dirty="0"/>
+                </a:p>
+              </p:txBody>
+            </p:sp>
+          </p:grpSp>
+        </p:grpSp>
+      </p:grpSp>
     </p:spTree>
   </p:cSld>
   <p:clrMapOvr>
